--- a/mini-project-presentation.pptx
+++ b/mini-project-presentation.pptx
@@ -7,15 +7,50 @@
   <p:sldIdLst>
     <p:sldId id="256" r:id="rId2"/>
     <p:sldId id="257" r:id="rId3"/>
-    <p:sldId id="258" r:id="rId4"/>
-    <p:sldId id="259" r:id="rId5"/>
-    <p:sldId id="260" r:id="rId6"/>
-    <p:sldId id="261" r:id="rId7"/>
-    <p:sldId id="262" r:id="rId8"/>
-    <p:sldId id="263" r:id="rId9"/>
-    <p:sldId id="264" r:id="rId10"/>
-    <p:sldId id="265" r:id="rId11"/>
-    <p:sldId id="267" r:id="rId12"/>
+    <p:sldId id="268" r:id="rId4"/>
+    <p:sldId id="269" r:id="rId5"/>
+    <p:sldId id="270" r:id="rId6"/>
+    <p:sldId id="271" r:id="rId7"/>
+    <p:sldId id="272" r:id="rId8"/>
+    <p:sldId id="273" r:id="rId9"/>
+    <p:sldId id="258" r:id="rId10"/>
+    <p:sldId id="274" r:id="rId11"/>
+    <p:sldId id="275" r:id="rId12"/>
+    <p:sldId id="276" r:id="rId13"/>
+    <p:sldId id="259" r:id="rId14"/>
+    <p:sldId id="277" r:id="rId15"/>
+    <p:sldId id="278" r:id="rId16"/>
+    <p:sldId id="279" r:id="rId17"/>
+    <p:sldId id="280" r:id="rId18"/>
+    <p:sldId id="281" r:id="rId19"/>
+    <p:sldId id="282" r:id="rId20"/>
+    <p:sldId id="260" r:id="rId21"/>
+    <p:sldId id="283" r:id="rId22"/>
+    <p:sldId id="284" r:id="rId23"/>
+    <p:sldId id="286" r:id="rId24"/>
+    <p:sldId id="261" r:id="rId25"/>
+    <p:sldId id="262" r:id="rId26"/>
+    <p:sldId id="287" r:id="rId27"/>
+    <p:sldId id="288" r:id="rId28"/>
+    <p:sldId id="289" r:id="rId29"/>
+    <p:sldId id="263" r:id="rId30"/>
+    <p:sldId id="290" r:id="rId31"/>
+    <p:sldId id="291" r:id="rId32"/>
+    <p:sldId id="292" r:id="rId33"/>
+    <p:sldId id="264" r:id="rId34"/>
+    <p:sldId id="293" r:id="rId35"/>
+    <p:sldId id="294" r:id="rId36"/>
+    <p:sldId id="265" r:id="rId37"/>
+    <p:sldId id="295" r:id="rId38"/>
+    <p:sldId id="296" r:id="rId39"/>
+    <p:sldId id="297" r:id="rId40"/>
+    <p:sldId id="298" r:id="rId41"/>
+    <p:sldId id="299" r:id="rId42"/>
+    <p:sldId id="300" r:id="rId43"/>
+    <p:sldId id="267" r:id="rId44"/>
+    <p:sldId id="301" r:id="rId45"/>
+    <p:sldId id="302" r:id="rId46"/>
+    <p:sldId id="303" r:id="rId47"/>
   </p:sldIdLst>
   <p:sldSz cx="12192000" cy="6858000"/>
   <p:notesSz cx="6858000" cy="9144000"/>
@@ -292,7 +327,7 @@
             <a:fld id="{08B9EBBA-996F-894A-B54A-D6246ED52CEA}" type="datetimeFigureOut">
               <a:rPr lang="en-US" smtClean="0"/>
               <a:pPr/>
-              <a:t>6/21/22</a:t>
+              <a:t>6/22/22</a:t>
             </a:fld>
             <a:endParaRPr lang="en-US" dirty="0"/>
           </a:p>
@@ -624,7 +659,7 @@
             <a:fld id="{09B482E8-6E0E-1B4F-B1FD-C69DB9E858D9}" type="datetimeFigureOut">
               <a:rPr lang="en-US" smtClean="0"/>
               <a:pPr/>
-              <a:t>6/21/22</a:t>
+              <a:t>6/22/22</a:t>
             </a:fld>
             <a:endParaRPr lang="en-US" dirty="0"/>
           </a:p>
@@ -807,7 +842,7 @@
             <a:fld id="{09B482E8-6E0E-1B4F-B1FD-C69DB9E858D9}" type="datetimeFigureOut">
               <a:rPr lang="en-US" smtClean="0"/>
               <a:pPr/>
-              <a:t>6/21/22</a:t>
+              <a:t>6/22/22</a:t>
             </a:fld>
             <a:endParaRPr lang="en-US" dirty="0"/>
           </a:p>
@@ -980,7 +1015,7 @@
             <a:fld id="{09B482E8-6E0E-1B4F-B1FD-C69DB9E858D9}" type="datetimeFigureOut">
               <a:rPr lang="en-US" smtClean="0"/>
               <a:pPr/>
-              <a:t>6/21/22</a:t>
+              <a:t>6/22/22</a:t>
             </a:fld>
             <a:endParaRPr lang="en-US" dirty="0"/>
           </a:p>
@@ -1260,7 +1295,7 @@
             <a:fld id="{8DFA1846-DA80-1C48-A609-854EA85C59AD}" type="datetimeFigureOut">
               <a:rPr lang="en-US" smtClean="0"/>
               <a:pPr/>
-              <a:t>6/21/22</a:t>
+              <a:t>6/22/22</a:t>
             </a:fld>
             <a:endParaRPr lang="en-US" dirty="0"/>
           </a:p>
@@ -1656,7 +1691,7 @@
             <a:fld id="{09B482E8-6E0E-1B4F-B1FD-C69DB9E858D9}" type="datetimeFigureOut">
               <a:rPr lang="en-US" smtClean="0"/>
               <a:pPr/>
-              <a:t>6/21/22</a:t>
+              <a:t>6/22/22</a:t>
             </a:fld>
             <a:endParaRPr lang="en-US" dirty="0"/>
           </a:p>
@@ -2141,7 +2176,7 @@
             <a:fld id="{09B482E8-6E0E-1B4F-B1FD-C69DB9E858D9}" type="datetimeFigureOut">
               <a:rPr lang="en-US" smtClean="0"/>
               <a:pPr/>
-              <a:t>6/21/22</a:t>
+              <a:t>6/22/22</a:t>
             </a:fld>
             <a:endParaRPr lang="en-US" dirty="0"/>
           </a:p>
@@ -2267,7 +2302,7 @@
             <a:fld id="{F13A34C8-038E-2045-AF43-DF7DBB8E0E9E}" type="datetimeFigureOut">
               <a:rPr lang="en-US" smtClean="0"/>
               <a:pPr/>
-              <a:t>6/21/22</a:t>
+              <a:t>6/22/22</a:t>
             </a:fld>
             <a:endParaRPr lang="en-US" dirty="0"/>
           </a:p>
@@ -2364,7 +2399,7 @@
             <a:fld id="{8818C68F-D26B-8F47-958C-23B49CF8A634}" type="datetimeFigureOut">
               <a:rPr lang="en-US" smtClean="0"/>
               <a:pPr/>
-              <a:t>6/21/22</a:t>
+              <a:t>6/22/22</a:t>
             </a:fld>
             <a:endParaRPr lang="en-US" dirty="0"/>
           </a:p>
@@ -2712,7 +2747,7 @@
             <a:fld id="{09B482E8-6E0E-1B4F-B1FD-C69DB9E858D9}" type="datetimeFigureOut">
               <a:rPr lang="en-US" smtClean="0"/>
               <a:pPr/>
-              <a:t>6/21/22</a:t>
+              <a:t>6/22/22</a:t>
             </a:fld>
             <a:endParaRPr lang="en-US" dirty="0"/>
           </a:p>
@@ -3108,7 +3143,7 @@
             <a:fld id="{09B482E8-6E0E-1B4F-B1FD-C69DB9E858D9}" type="datetimeFigureOut">
               <a:rPr lang="en-US" smtClean="0"/>
               <a:pPr/>
-              <a:t>6/21/22</a:t>
+              <a:t>6/22/22</a:t>
             </a:fld>
             <a:endParaRPr lang="en-US" dirty="0"/>
           </a:p>
@@ -3389,7 +3424,7 @@
             <a:fld id="{09B482E8-6E0E-1B4F-B1FD-C69DB9E858D9}" type="datetimeFigureOut">
               <a:rPr lang="en-US" smtClean="0"/>
               <a:pPr/>
-              <a:t>6/21/22</a:t>
+              <a:t>6/22/22</a:t>
             </a:fld>
             <a:endParaRPr lang="en-US" dirty="0"/>
           </a:p>
@@ -4323,7 +4358,7 @@
           <p:cNvPr id="2" name="Title 1">
             <a:extLst>
               <a:ext uri="{FF2B5EF4-FFF2-40B4-BE49-F238E27FC236}">
-                <a16:creationId xmlns:a16="http://schemas.microsoft.com/office/drawing/2014/main" id="{CD879356-E18A-BE51-A888-49AC3D0541DA}"/>
+                <a16:creationId xmlns:a16="http://schemas.microsoft.com/office/drawing/2014/main" id="{A59A5EE2-62A4-5D66-82C1-66C1984A57E1}"/>
               </a:ext>
             </a:extLst>
           </p:cNvPr>
@@ -4341,7 +4376,7 @@
           <a:p>
             <a:r>
               <a:rPr lang="en-US" dirty="0"/>
-              <a:t>What I’ve learnt going forward</a:t>
+              <a:t>Noughts and Crosses</a:t>
             </a:r>
           </a:p>
         </p:txBody>
@@ -4351,7 +4386,7 @@
           <p:cNvPr id="3" name="Content Placeholder 2">
             <a:extLst>
               <a:ext uri="{FF2B5EF4-FFF2-40B4-BE49-F238E27FC236}">
-                <a16:creationId xmlns:a16="http://schemas.microsoft.com/office/drawing/2014/main" id="{8F37E14A-BA4C-4A47-2DEC-27F260B0F264}"/>
+                <a16:creationId xmlns:a16="http://schemas.microsoft.com/office/drawing/2014/main" id="{0D2C8ED8-035D-75C6-015D-212F989886B9}"/>
               </a:ext>
             </a:extLst>
           </p:cNvPr>
@@ -4364,49 +4399,12 @@
         </p:nvSpPr>
         <p:spPr/>
         <p:txBody>
-          <a:bodyPr>
-            <a:normAutofit lnSpcReduction="10000"/>
-          </a:bodyPr>
-          <a:lstStyle/>
-          <a:p>
-            <a:r>
-              <a:rPr lang="en-US" dirty="0"/>
-              <a:t>Have a good plan, but don’t become anal about following that plan</a:t>
-            </a:r>
-          </a:p>
-          <a:p>
-            <a:pPr lvl="1"/>
-            <a:r>
-              <a:rPr lang="en-US" dirty="0"/>
-              <a:t>As an individual I like order and linearity</a:t>
-            </a:r>
-          </a:p>
-          <a:p>
-            <a:pPr lvl="1"/>
-            <a:r>
-              <a:rPr lang="en-US" dirty="0"/>
-              <a:t>I started out by writing down how I’d like my code to be formatted, building the complexity the further into the project I got</a:t>
-            </a:r>
-          </a:p>
-          <a:p>
-            <a:pPr lvl="1"/>
-            <a:r>
-              <a:rPr lang="en-US" dirty="0"/>
-              <a:t>This served me well initially as it gave a logical order to things and made it easy to troubleshoot</a:t>
-            </a:r>
-          </a:p>
-          <a:p>
-            <a:pPr lvl="1"/>
-            <a:r>
-              <a:rPr lang="en-US" dirty="0"/>
-              <a:t>Started to become a lot harder to maintain once I began to implement more features and I found myself spending more time than I should have trying to make the order of the code look nice</a:t>
-            </a:r>
-          </a:p>
-          <a:p>
-            <a:pPr lvl="1"/>
-            <a:r>
-              <a:rPr lang="en-US" dirty="0"/>
-              <a:t>Although good coding etiquette is important the balance between clean code and time is equally important</a:t>
+          <a:bodyPr/>
+          <a:lstStyle/>
+          <a:p>
+            <a:r>
+              <a:rPr lang="en-US" dirty="0"/>
+              <a:t>Used as an experience to implement and develop logic learnt in sessions</a:t>
             </a:r>
           </a:p>
         </p:txBody>
@@ -4414,7 +4412,7 @@
     </p:spTree>
     <p:extLst>
       <p:ext uri="{BB962C8B-B14F-4D97-AF65-F5344CB8AC3E}">
-        <p14:creationId xmlns:p14="http://schemas.microsoft.com/office/powerpoint/2010/main" val="2434511769"/>
+        <p14:creationId xmlns:p14="http://schemas.microsoft.com/office/powerpoint/2010/main" val="1123279932"/>
       </p:ext>
     </p:extLst>
   </p:cSld>
@@ -4446,7 +4444,7 @@
           <p:cNvPr id="2" name="Title 1">
             <a:extLst>
               <a:ext uri="{FF2B5EF4-FFF2-40B4-BE49-F238E27FC236}">
-                <a16:creationId xmlns:a16="http://schemas.microsoft.com/office/drawing/2014/main" id="{40ED0AC3-F303-E3C8-8EF0-217430ACF0CB}"/>
+                <a16:creationId xmlns:a16="http://schemas.microsoft.com/office/drawing/2014/main" id="{A59A5EE2-62A4-5D66-82C1-66C1984A57E1}"/>
               </a:ext>
             </a:extLst>
           </p:cNvPr>
@@ -4464,7 +4462,7 @@
           <a:p>
             <a:r>
               <a:rPr lang="en-US" dirty="0"/>
-              <a:t>What I’ve learnt going forward</a:t>
+              <a:t>Noughts and Crosses</a:t>
             </a:r>
           </a:p>
         </p:txBody>
@@ -4474,7 +4472,7 @@
           <p:cNvPr id="3" name="Content Placeholder 2">
             <a:extLst>
               <a:ext uri="{FF2B5EF4-FFF2-40B4-BE49-F238E27FC236}">
-                <a16:creationId xmlns:a16="http://schemas.microsoft.com/office/drawing/2014/main" id="{07A4933F-0107-2CF1-46E3-0E82DE2A82E6}"/>
+                <a16:creationId xmlns:a16="http://schemas.microsoft.com/office/drawing/2014/main" id="{0D2C8ED8-035D-75C6-015D-212F989886B9}"/>
               </a:ext>
             </a:extLst>
           </p:cNvPr>
@@ -4492,21 +4490,13 @@
           <a:p>
             <a:r>
               <a:rPr lang="en-US" dirty="0"/>
-              <a:t>Swallow my pride sooner</a:t>
-            </a:r>
-          </a:p>
-          <a:p>
-            <a:pPr lvl="1"/>
-            <a:r>
-              <a:rPr lang="en-US" dirty="0"/>
-              <a:t>Found myself staring at the same problem for way longer than I should have, purely because I wanted the satisfaction of doing it myself, when I was just making more work for myself</a:t>
-            </a:r>
-          </a:p>
-          <a:p>
-            <a:pPr lvl="1"/>
-            <a:r>
-              <a:rPr lang="en-US" dirty="0"/>
-              <a:t>Realise that ill learn more by asking someone more knowledgeable and getting them to walk me through a solution rather than jerry-rigging my own solution.</a:t>
+              <a:t>Used as an experience to implement and develop logic learnt in sessions</a:t>
+            </a:r>
+          </a:p>
+          <a:p>
+            <a:r>
+              <a:rPr lang="en-US" dirty="0"/>
+              <a:t>Found some valuable logic that I could transfer to building Connect-4</a:t>
             </a:r>
           </a:p>
         </p:txBody>
@@ -4514,7 +4504,884 @@
     </p:spTree>
     <p:extLst>
       <p:ext uri="{BB962C8B-B14F-4D97-AF65-F5344CB8AC3E}">
-        <p14:creationId xmlns:p14="http://schemas.microsoft.com/office/powerpoint/2010/main" val="3784770399"/>
+        <p14:creationId xmlns:p14="http://schemas.microsoft.com/office/powerpoint/2010/main" val="3360996084"/>
+      </p:ext>
+    </p:extLst>
+  </p:cSld>
+  <p:clrMapOvr>
+    <a:masterClrMapping/>
+  </p:clrMapOvr>
+</p:sld>
+</file>
+
+<file path=ppt/slides/slide12.xml><?xml version="1.0" encoding="utf-8"?>
+<p:sld xmlns:a="http://schemas.openxmlformats.org/drawingml/2006/main" xmlns:r="http://schemas.openxmlformats.org/officeDocument/2006/relationships" xmlns:p="http://schemas.openxmlformats.org/presentationml/2006/main">
+  <p:cSld>
+    <p:spTree>
+      <p:nvGrpSpPr>
+        <p:cNvPr id="1" name=""/>
+        <p:cNvGrpSpPr/>
+        <p:nvPr/>
+      </p:nvGrpSpPr>
+      <p:grpSpPr>
+        <a:xfrm>
+          <a:off x="0" y="0"/>
+          <a:ext cx="0" cy="0"/>
+          <a:chOff x="0" y="0"/>
+          <a:chExt cx="0" cy="0"/>
+        </a:xfrm>
+      </p:grpSpPr>
+      <p:sp>
+        <p:nvSpPr>
+          <p:cNvPr id="2" name="Title 1">
+            <a:extLst>
+              <a:ext uri="{FF2B5EF4-FFF2-40B4-BE49-F238E27FC236}">
+                <a16:creationId xmlns:a16="http://schemas.microsoft.com/office/drawing/2014/main" id="{A59A5EE2-62A4-5D66-82C1-66C1984A57E1}"/>
+              </a:ext>
+            </a:extLst>
+          </p:cNvPr>
+          <p:cNvSpPr>
+            <a:spLocks noGrp="1"/>
+          </p:cNvSpPr>
+          <p:nvPr>
+            <p:ph type="title"/>
+          </p:nvPr>
+        </p:nvSpPr>
+        <p:spPr/>
+        <p:txBody>
+          <a:bodyPr/>
+          <a:lstStyle/>
+          <a:p>
+            <a:r>
+              <a:rPr lang="en-US" dirty="0"/>
+              <a:t>Noughts and Crosses</a:t>
+            </a:r>
+          </a:p>
+        </p:txBody>
+      </p:sp>
+      <p:sp>
+        <p:nvSpPr>
+          <p:cNvPr id="3" name="Content Placeholder 2">
+            <a:extLst>
+              <a:ext uri="{FF2B5EF4-FFF2-40B4-BE49-F238E27FC236}">
+                <a16:creationId xmlns:a16="http://schemas.microsoft.com/office/drawing/2014/main" id="{0D2C8ED8-035D-75C6-015D-212F989886B9}"/>
+              </a:ext>
+            </a:extLst>
+          </p:cNvPr>
+          <p:cNvSpPr>
+            <a:spLocks noGrp="1"/>
+          </p:cNvSpPr>
+          <p:nvPr>
+            <p:ph idx="1"/>
+          </p:nvPr>
+        </p:nvSpPr>
+        <p:spPr/>
+        <p:txBody>
+          <a:bodyPr/>
+          <a:lstStyle/>
+          <a:p>
+            <a:r>
+              <a:rPr lang="en-US" dirty="0"/>
+              <a:t>Used as an experience to implement and develop logic learnt in sessions</a:t>
+            </a:r>
+          </a:p>
+          <a:p>
+            <a:r>
+              <a:rPr lang="en-US" dirty="0"/>
+              <a:t>Found some valuable logic that I could transfer to building Connect-4</a:t>
+            </a:r>
+          </a:p>
+          <a:p>
+            <a:r>
+              <a:rPr lang="en-US" dirty="0"/>
+              <a:t>Didn’t spend any time playing with the visuals of this as I was confident with that aspect early on.</a:t>
+            </a:r>
+          </a:p>
+        </p:txBody>
+      </p:sp>
+    </p:spTree>
+    <p:extLst>
+      <p:ext uri="{BB962C8B-B14F-4D97-AF65-F5344CB8AC3E}">
+        <p14:creationId xmlns:p14="http://schemas.microsoft.com/office/powerpoint/2010/main" val="2857716266"/>
+      </p:ext>
+    </p:extLst>
+  </p:cSld>
+  <p:clrMapOvr>
+    <a:masterClrMapping/>
+  </p:clrMapOvr>
+</p:sld>
+</file>
+
+<file path=ppt/slides/slide13.xml><?xml version="1.0" encoding="utf-8"?>
+<p:sld xmlns:a="http://schemas.openxmlformats.org/drawingml/2006/main" xmlns:r="http://schemas.openxmlformats.org/officeDocument/2006/relationships" xmlns:p="http://schemas.openxmlformats.org/presentationml/2006/main">
+  <p:cSld>
+    <p:spTree>
+      <p:nvGrpSpPr>
+        <p:cNvPr id="1" name=""/>
+        <p:cNvGrpSpPr/>
+        <p:nvPr/>
+      </p:nvGrpSpPr>
+      <p:grpSpPr>
+        <a:xfrm>
+          <a:off x="0" y="0"/>
+          <a:ext cx="0" cy="0"/>
+          <a:chOff x="0" y="0"/>
+          <a:chExt cx="0" cy="0"/>
+        </a:xfrm>
+      </p:grpSpPr>
+      <p:sp>
+        <p:nvSpPr>
+          <p:cNvPr id="2" name="Title 1">
+            <a:extLst>
+              <a:ext uri="{FF2B5EF4-FFF2-40B4-BE49-F238E27FC236}">
+                <a16:creationId xmlns:a16="http://schemas.microsoft.com/office/drawing/2014/main" id="{BEB4B0DC-B162-937C-482D-B11A394C81B2}"/>
+              </a:ext>
+            </a:extLst>
+          </p:cNvPr>
+          <p:cNvSpPr>
+            <a:spLocks noGrp="1"/>
+          </p:cNvSpPr>
+          <p:nvPr>
+            <p:ph type="title"/>
+          </p:nvPr>
+        </p:nvSpPr>
+        <p:spPr/>
+        <p:txBody>
+          <a:bodyPr/>
+          <a:lstStyle/>
+          <a:p>
+            <a:r>
+              <a:rPr lang="en-US" dirty="0"/>
+              <a:t>Connect 4 Brief</a:t>
+            </a:r>
+          </a:p>
+        </p:txBody>
+      </p:sp>
+      <p:sp>
+        <p:nvSpPr>
+          <p:cNvPr id="3" name="Content Placeholder 2">
+            <a:extLst>
+              <a:ext uri="{FF2B5EF4-FFF2-40B4-BE49-F238E27FC236}">
+                <a16:creationId xmlns:a16="http://schemas.microsoft.com/office/drawing/2014/main" id="{19028B33-1464-60B2-7D88-DC7381E0607A}"/>
+              </a:ext>
+            </a:extLst>
+          </p:cNvPr>
+          <p:cNvSpPr>
+            <a:spLocks noGrp="1"/>
+          </p:cNvSpPr>
+          <p:nvPr>
+            <p:ph idx="1"/>
+          </p:nvPr>
+        </p:nvSpPr>
+        <p:spPr/>
+        <p:txBody>
+          <a:bodyPr/>
+          <a:lstStyle/>
+          <a:p>
+            <a:pPr marL="530352" lvl="1" indent="0">
+              <a:buNone/>
+            </a:pPr>
+            <a:endParaRPr lang="en-US" dirty="0"/>
+          </a:p>
+        </p:txBody>
+      </p:sp>
+    </p:spTree>
+    <p:extLst>
+      <p:ext uri="{BB962C8B-B14F-4D97-AF65-F5344CB8AC3E}">
+        <p14:creationId xmlns:p14="http://schemas.microsoft.com/office/powerpoint/2010/main" val="1186044010"/>
+      </p:ext>
+    </p:extLst>
+  </p:cSld>
+  <p:clrMapOvr>
+    <a:masterClrMapping/>
+  </p:clrMapOvr>
+</p:sld>
+</file>
+
+<file path=ppt/slides/slide14.xml><?xml version="1.0" encoding="utf-8"?>
+<p:sld xmlns:a="http://schemas.openxmlformats.org/drawingml/2006/main" xmlns:r="http://schemas.openxmlformats.org/officeDocument/2006/relationships" xmlns:p="http://schemas.openxmlformats.org/presentationml/2006/main">
+  <p:cSld>
+    <p:spTree>
+      <p:nvGrpSpPr>
+        <p:cNvPr id="1" name=""/>
+        <p:cNvGrpSpPr/>
+        <p:nvPr/>
+      </p:nvGrpSpPr>
+      <p:grpSpPr>
+        <a:xfrm>
+          <a:off x="0" y="0"/>
+          <a:ext cx="0" cy="0"/>
+          <a:chOff x="0" y="0"/>
+          <a:chExt cx="0" cy="0"/>
+        </a:xfrm>
+      </p:grpSpPr>
+      <p:sp>
+        <p:nvSpPr>
+          <p:cNvPr id="2" name="Title 1">
+            <a:extLst>
+              <a:ext uri="{FF2B5EF4-FFF2-40B4-BE49-F238E27FC236}">
+                <a16:creationId xmlns:a16="http://schemas.microsoft.com/office/drawing/2014/main" id="{BEB4B0DC-B162-937C-482D-B11A394C81B2}"/>
+              </a:ext>
+            </a:extLst>
+          </p:cNvPr>
+          <p:cNvSpPr>
+            <a:spLocks noGrp="1"/>
+          </p:cNvSpPr>
+          <p:nvPr>
+            <p:ph type="title"/>
+          </p:nvPr>
+        </p:nvSpPr>
+        <p:spPr/>
+        <p:txBody>
+          <a:bodyPr/>
+          <a:lstStyle/>
+          <a:p>
+            <a:r>
+              <a:rPr lang="en-US" dirty="0"/>
+              <a:t>Connect 4 Brief</a:t>
+            </a:r>
+          </a:p>
+        </p:txBody>
+      </p:sp>
+      <p:sp>
+        <p:nvSpPr>
+          <p:cNvPr id="3" name="Content Placeholder 2">
+            <a:extLst>
+              <a:ext uri="{FF2B5EF4-FFF2-40B4-BE49-F238E27FC236}">
+                <a16:creationId xmlns:a16="http://schemas.microsoft.com/office/drawing/2014/main" id="{19028B33-1464-60B2-7D88-DC7381E0607A}"/>
+              </a:ext>
+            </a:extLst>
+          </p:cNvPr>
+          <p:cNvSpPr>
+            <a:spLocks noGrp="1"/>
+          </p:cNvSpPr>
+          <p:nvPr>
+            <p:ph idx="1"/>
+          </p:nvPr>
+        </p:nvSpPr>
+        <p:spPr/>
+        <p:txBody>
+          <a:bodyPr/>
+          <a:lstStyle/>
+          <a:p>
+            <a:r>
+              <a:rPr lang="en-US" dirty="0"/>
+              <a:t>The core goals of the brief were;</a:t>
+            </a:r>
+          </a:p>
+          <a:p>
+            <a:pPr marL="530352" lvl="1" indent="0">
+              <a:buNone/>
+            </a:pPr>
+            <a:endParaRPr lang="en-US" dirty="0"/>
+          </a:p>
+        </p:txBody>
+      </p:sp>
+    </p:spTree>
+    <p:extLst>
+      <p:ext uri="{BB962C8B-B14F-4D97-AF65-F5344CB8AC3E}">
+        <p14:creationId xmlns:p14="http://schemas.microsoft.com/office/powerpoint/2010/main" val="1769784574"/>
+      </p:ext>
+    </p:extLst>
+  </p:cSld>
+  <p:clrMapOvr>
+    <a:masterClrMapping/>
+  </p:clrMapOvr>
+</p:sld>
+</file>
+
+<file path=ppt/slides/slide15.xml><?xml version="1.0" encoding="utf-8"?>
+<p:sld xmlns:a="http://schemas.openxmlformats.org/drawingml/2006/main" xmlns:r="http://schemas.openxmlformats.org/officeDocument/2006/relationships" xmlns:p="http://schemas.openxmlformats.org/presentationml/2006/main">
+  <p:cSld>
+    <p:spTree>
+      <p:nvGrpSpPr>
+        <p:cNvPr id="1" name=""/>
+        <p:cNvGrpSpPr/>
+        <p:nvPr/>
+      </p:nvGrpSpPr>
+      <p:grpSpPr>
+        <a:xfrm>
+          <a:off x="0" y="0"/>
+          <a:ext cx="0" cy="0"/>
+          <a:chOff x="0" y="0"/>
+          <a:chExt cx="0" cy="0"/>
+        </a:xfrm>
+      </p:grpSpPr>
+      <p:sp>
+        <p:nvSpPr>
+          <p:cNvPr id="2" name="Title 1">
+            <a:extLst>
+              <a:ext uri="{FF2B5EF4-FFF2-40B4-BE49-F238E27FC236}">
+                <a16:creationId xmlns:a16="http://schemas.microsoft.com/office/drawing/2014/main" id="{BEB4B0DC-B162-937C-482D-B11A394C81B2}"/>
+              </a:ext>
+            </a:extLst>
+          </p:cNvPr>
+          <p:cNvSpPr>
+            <a:spLocks noGrp="1"/>
+          </p:cNvSpPr>
+          <p:nvPr>
+            <p:ph type="title"/>
+          </p:nvPr>
+        </p:nvSpPr>
+        <p:spPr/>
+        <p:txBody>
+          <a:bodyPr/>
+          <a:lstStyle/>
+          <a:p>
+            <a:r>
+              <a:rPr lang="en-US" dirty="0"/>
+              <a:t>Connect 4 Brief</a:t>
+            </a:r>
+          </a:p>
+        </p:txBody>
+      </p:sp>
+      <p:sp>
+        <p:nvSpPr>
+          <p:cNvPr id="3" name="Content Placeholder 2">
+            <a:extLst>
+              <a:ext uri="{FF2B5EF4-FFF2-40B4-BE49-F238E27FC236}">
+                <a16:creationId xmlns:a16="http://schemas.microsoft.com/office/drawing/2014/main" id="{19028B33-1464-60B2-7D88-DC7381E0607A}"/>
+              </a:ext>
+            </a:extLst>
+          </p:cNvPr>
+          <p:cNvSpPr>
+            <a:spLocks noGrp="1"/>
+          </p:cNvSpPr>
+          <p:nvPr>
+            <p:ph idx="1"/>
+          </p:nvPr>
+        </p:nvSpPr>
+        <p:spPr/>
+        <p:txBody>
+          <a:bodyPr/>
+          <a:lstStyle/>
+          <a:p>
+            <a:r>
+              <a:rPr lang="en-US" dirty="0"/>
+              <a:t>The core goals of the brief were;</a:t>
+            </a:r>
+          </a:p>
+          <a:p>
+            <a:pPr lvl="1"/>
+            <a:r>
+              <a:rPr lang="en-US" dirty="0"/>
+              <a:t>Be able to place pieces on your Connect 4 grid; it should respond to click events</a:t>
+            </a:r>
+          </a:p>
+          <a:p>
+            <a:pPr lvl="1"/>
+            <a:endParaRPr lang="en-US" dirty="0"/>
+          </a:p>
+          <a:p>
+            <a:pPr marL="530352" lvl="1" indent="0">
+              <a:buNone/>
+            </a:pPr>
+            <a:endParaRPr lang="en-US" dirty="0"/>
+          </a:p>
+        </p:txBody>
+      </p:sp>
+    </p:spTree>
+    <p:extLst>
+      <p:ext uri="{BB962C8B-B14F-4D97-AF65-F5344CB8AC3E}">
+        <p14:creationId xmlns:p14="http://schemas.microsoft.com/office/powerpoint/2010/main" val="2073832348"/>
+      </p:ext>
+    </p:extLst>
+  </p:cSld>
+  <p:clrMapOvr>
+    <a:masterClrMapping/>
+  </p:clrMapOvr>
+</p:sld>
+</file>
+
+<file path=ppt/slides/slide16.xml><?xml version="1.0" encoding="utf-8"?>
+<p:sld xmlns:a="http://schemas.openxmlformats.org/drawingml/2006/main" xmlns:r="http://schemas.openxmlformats.org/officeDocument/2006/relationships" xmlns:p="http://schemas.openxmlformats.org/presentationml/2006/main">
+  <p:cSld>
+    <p:spTree>
+      <p:nvGrpSpPr>
+        <p:cNvPr id="1" name=""/>
+        <p:cNvGrpSpPr/>
+        <p:nvPr/>
+      </p:nvGrpSpPr>
+      <p:grpSpPr>
+        <a:xfrm>
+          <a:off x="0" y="0"/>
+          <a:ext cx="0" cy="0"/>
+          <a:chOff x="0" y="0"/>
+          <a:chExt cx="0" cy="0"/>
+        </a:xfrm>
+      </p:grpSpPr>
+      <p:sp>
+        <p:nvSpPr>
+          <p:cNvPr id="2" name="Title 1">
+            <a:extLst>
+              <a:ext uri="{FF2B5EF4-FFF2-40B4-BE49-F238E27FC236}">
+                <a16:creationId xmlns:a16="http://schemas.microsoft.com/office/drawing/2014/main" id="{BEB4B0DC-B162-937C-482D-B11A394C81B2}"/>
+              </a:ext>
+            </a:extLst>
+          </p:cNvPr>
+          <p:cNvSpPr>
+            <a:spLocks noGrp="1"/>
+          </p:cNvSpPr>
+          <p:nvPr>
+            <p:ph type="title"/>
+          </p:nvPr>
+        </p:nvSpPr>
+        <p:spPr/>
+        <p:txBody>
+          <a:bodyPr/>
+          <a:lstStyle/>
+          <a:p>
+            <a:r>
+              <a:rPr lang="en-US" dirty="0"/>
+              <a:t>Connect 4 Brief</a:t>
+            </a:r>
+          </a:p>
+        </p:txBody>
+      </p:sp>
+      <p:sp>
+        <p:nvSpPr>
+          <p:cNvPr id="3" name="Content Placeholder 2">
+            <a:extLst>
+              <a:ext uri="{FF2B5EF4-FFF2-40B4-BE49-F238E27FC236}">
+                <a16:creationId xmlns:a16="http://schemas.microsoft.com/office/drawing/2014/main" id="{19028B33-1464-60B2-7D88-DC7381E0607A}"/>
+              </a:ext>
+            </a:extLst>
+          </p:cNvPr>
+          <p:cNvSpPr>
+            <a:spLocks noGrp="1"/>
+          </p:cNvSpPr>
+          <p:nvPr>
+            <p:ph idx="1"/>
+          </p:nvPr>
+        </p:nvSpPr>
+        <p:spPr/>
+        <p:txBody>
+          <a:bodyPr/>
+          <a:lstStyle/>
+          <a:p>
+            <a:r>
+              <a:rPr lang="en-US" dirty="0"/>
+              <a:t>The core goals of the brief were;</a:t>
+            </a:r>
+          </a:p>
+          <a:p>
+            <a:pPr lvl="1"/>
+            <a:r>
+              <a:rPr lang="en-US" dirty="0"/>
+              <a:t>Be able to place pieces on your Connect 4 grid; it should respond to click events</a:t>
+            </a:r>
+          </a:p>
+          <a:p>
+            <a:pPr lvl="1"/>
+            <a:r>
+              <a:rPr lang="en-US" dirty="0"/>
+              <a:t>Detect victory conditions i.e. in </a:t>
+            </a:r>
+            <a:r>
+              <a:rPr lang="en-US" dirty="0" err="1"/>
+              <a:t>console.log</a:t>
+            </a:r>
+            <a:r>
+              <a:rPr lang="en-US" dirty="0"/>
+              <a:t>()</a:t>
+            </a:r>
+          </a:p>
+          <a:p>
+            <a:pPr marL="530352" lvl="1" indent="0">
+              <a:buNone/>
+            </a:pPr>
+            <a:endParaRPr lang="en-US" dirty="0"/>
+          </a:p>
+        </p:txBody>
+      </p:sp>
+    </p:spTree>
+    <p:extLst>
+      <p:ext uri="{BB962C8B-B14F-4D97-AF65-F5344CB8AC3E}">
+        <p14:creationId xmlns:p14="http://schemas.microsoft.com/office/powerpoint/2010/main" val="3350072485"/>
+      </p:ext>
+    </p:extLst>
+  </p:cSld>
+  <p:clrMapOvr>
+    <a:masterClrMapping/>
+  </p:clrMapOvr>
+</p:sld>
+</file>
+
+<file path=ppt/slides/slide17.xml><?xml version="1.0" encoding="utf-8"?>
+<p:sld xmlns:a="http://schemas.openxmlformats.org/drawingml/2006/main" xmlns:r="http://schemas.openxmlformats.org/officeDocument/2006/relationships" xmlns:p="http://schemas.openxmlformats.org/presentationml/2006/main">
+  <p:cSld>
+    <p:spTree>
+      <p:nvGrpSpPr>
+        <p:cNvPr id="1" name=""/>
+        <p:cNvGrpSpPr/>
+        <p:nvPr/>
+      </p:nvGrpSpPr>
+      <p:grpSpPr>
+        <a:xfrm>
+          <a:off x="0" y="0"/>
+          <a:ext cx="0" cy="0"/>
+          <a:chOff x="0" y="0"/>
+          <a:chExt cx="0" cy="0"/>
+        </a:xfrm>
+      </p:grpSpPr>
+      <p:sp>
+        <p:nvSpPr>
+          <p:cNvPr id="2" name="Title 1">
+            <a:extLst>
+              <a:ext uri="{FF2B5EF4-FFF2-40B4-BE49-F238E27FC236}">
+                <a16:creationId xmlns:a16="http://schemas.microsoft.com/office/drawing/2014/main" id="{BEB4B0DC-B162-937C-482D-B11A394C81B2}"/>
+              </a:ext>
+            </a:extLst>
+          </p:cNvPr>
+          <p:cNvSpPr>
+            <a:spLocks noGrp="1"/>
+          </p:cNvSpPr>
+          <p:nvPr>
+            <p:ph type="title"/>
+          </p:nvPr>
+        </p:nvSpPr>
+        <p:spPr/>
+        <p:txBody>
+          <a:bodyPr/>
+          <a:lstStyle/>
+          <a:p>
+            <a:r>
+              <a:rPr lang="en-US" dirty="0"/>
+              <a:t>Connect 4 Brief</a:t>
+            </a:r>
+          </a:p>
+        </p:txBody>
+      </p:sp>
+      <p:sp>
+        <p:nvSpPr>
+          <p:cNvPr id="3" name="Content Placeholder 2">
+            <a:extLst>
+              <a:ext uri="{FF2B5EF4-FFF2-40B4-BE49-F238E27FC236}">
+                <a16:creationId xmlns:a16="http://schemas.microsoft.com/office/drawing/2014/main" id="{19028B33-1464-60B2-7D88-DC7381E0607A}"/>
+              </a:ext>
+            </a:extLst>
+          </p:cNvPr>
+          <p:cNvSpPr>
+            <a:spLocks noGrp="1"/>
+          </p:cNvSpPr>
+          <p:nvPr>
+            <p:ph idx="1"/>
+          </p:nvPr>
+        </p:nvSpPr>
+        <p:spPr/>
+        <p:txBody>
+          <a:bodyPr/>
+          <a:lstStyle/>
+          <a:p>
+            <a:r>
+              <a:rPr lang="en-US" dirty="0"/>
+              <a:t>The core goals of the brief were;</a:t>
+            </a:r>
+          </a:p>
+          <a:p>
+            <a:pPr lvl="1"/>
+            <a:r>
+              <a:rPr lang="en-US" dirty="0"/>
+              <a:t>Be able to place pieces on your Connect 4 grid; it should respond to click events</a:t>
+            </a:r>
+          </a:p>
+          <a:p>
+            <a:pPr lvl="1"/>
+            <a:r>
+              <a:rPr lang="en-US" dirty="0"/>
+              <a:t>Detect victory conditions i.e. in </a:t>
+            </a:r>
+            <a:r>
+              <a:rPr lang="en-US" dirty="0" err="1"/>
+              <a:t>console.log</a:t>
+            </a:r>
+            <a:r>
+              <a:rPr lang="en-US" dirty="0"/>
+              <a:t>()</a:t>
+            </a:r>
+          </a:p>
+          <a:p>
+            <a:pPr lvl="1"/>
+            <a:r>
+              <a:rPr lang="en-US" dirty="0"/>
+              <a:t>Display the winner on screen i.e. Red or Yellow</a:t>
+            </a:r>
+          </a:p>
+          <a:p>
+            <a:pPr marL="530352" lvl="1" indent="0">
+              <a:buNone/>
+            </a:pPr>
+            <a:endParaRPr lang="en-US" dirty="0"/>
+          </a:p>
+        </p:txBody>
+      </p:sp>
+    </p:spTree>
+    <p:extLst>
+      <p:ext uri="{BB962C8B-B14F-4D97-AF65-F5344CB8AC3E}">
+        <p14:creationId xmlns:p14="http://schemas.microsoft.com/office/powerpoint/2010/main" val="3179326387"/>
+      </p:ext>
+    </p:extLst>
+  </p:cSld>
+  <p:clrMapOvr>
+    <a:masterClrMapping/>
+  </p:clrMapOvr>
+</p:sld>
+</file>
+
+<file path=ppt/slides/slide18.xml><?xml version="1.0" encoding="utf-8"?>
+<p:sld xmlns:a="http://schemas.openxmlformats.org/drawingml/2006/main" xmlns:r="http://schemas.openxmlformats.org/officeDocument/2006/relationships" xmlns:p="http://schemas.openxmlformats.org/presentationml/2006/main">
+  <p:cSld>
+    <p:spTree>
+      <p:nvGrpSpPr>
+        <p:cNvPr id="1" name=""/>
+        <p:cNvGrpSpPr/>
+        <p:nvPr/>
+      </p:nvGrpSpPr>
+      <p:grpSpPr>
+        <a:xfrm>
+          <a:off x="0" y="0"/>
+          <a:ext cx="0" cy="0"/>
+          <a:chOff x="0" y="0"/>
+          <a:chExt cx="0" cy="0"/>
+        </a:xfrm>
+      </p:grpSpPr>
+      <p:sp>
+        <p:nvSpPr>
+          <p:cNvPr id="2" name="Title 1">
+            <a:extLst>
+              <a:ext uri="{FF2B5EF4-FFF2-40B4-BE49-F238E27FC236}">
+                <a16:creationId xmlns:a16="http://schemas.microsoft.com/office/drawing/2014/main" id="{BEB4B0DC-B162-937C-482D-B11A394C81B2}"/>
+              </a:ext>
+            </a:extLst>
+          </p:cNvPr>
+          <p:cNvSpPr>
+            <a:spLocks noGrp="1"/>
+          </p:cNvSpPr>
+          <p:nvPr>
+            <p:ph type="title"/>
+          </p:nvPr>
+        </p:nvSpPr>
+        <p:spPr/>
+        <p:txBody>
+          <a:bodyPr/>
+          <a:lstStyle/>
+          <a:p>
+            <a:r>
+              <a:rPr lang="en-US" dirty="0"/>
+              <a:t>Connect 4 Brief</a:t>
+            </a:r>
+          </a:p>
+        </p:txBody>
+      </p:sp>
+      <p:sp>
+        <p:nvSpPr>
+          <p:cNvPr id="3" name="Content Placeholder 2">
+            <a:extLst>
+              <a:ext uri="{FF2B5EF4-FFF2-40B4-BE49-F238E27FC236}">
+                <a16:creationId xmlns:a16="http://schemas.microsoft.com/office/drawing/2014/main" id="{19028B33-1464-60B2-7D88-DC7381E0607A}"/>
+              </a:ext>
+            </a:extLst>
+          </p:cNvPr>
+          <p:cNvSpPr>
+            <a:spLocks noGrp="1"/>
+          </p:cNvSpPr>
+          <p:nvPr>
+            <p:ph idx="1"/>
+          </p:nvPr>
+        </p:nvSpPr>
+        <p:spPr/>
+        <p:txBody>
+          <a:bodyPr/>
+          <a:lstStyle/>
+          <a:p>
+            <a:r>
+              <a:rPr lang="en-US" dirty="0"/>
+              <a:t>The core goals of the brief were;</a:t>
+            </a:r>
+          </a:p>
+          <a:p>
+            <a:pPr lvl="1"/>
+            <a:r>
+              <a:rPr lang="en-US" dirty="0"/>
+              <a:t>Be able to place pieces on your Connect 4 grid; it should respond to click events</a:t>
+            </a:r>
+          </a:p>
+          <a:p>
+            <a:pPr lvl="1"/>
+            <a:r>
+              <a:rPr lang="en-US" dirty="0"/>
+              <a:t>Detect victory conditions i.e. in </a:t>
+            </a:r>
+            <a:r>
+              <a:rPr lang="en-US" dirty="0" err="1"/>
+              <a:t>console.log</a:t>
+            </a:r>
+            <a:r>
+              <a:rPr lang="en-US" dirty="0"/>
+              <a:t>()</a:t>
+            </a:r>
+          </a:p>
+          <a:p>
+            <a:pPr lvl="1"/>
+            <a:r>
+              <a:rPr lang="en-US" dirty="0"/>
+              <a:t>Display the winner on screen i.e. Red or Yellow</a:t>
+            </a:r>
+          </a:p>
+          <a:p>
+            <a:pPr lvl="1"/>
+            <a:r>
+              <a:rPr lang="en-US" dirty="0"/>
+              <a:t>Have some unit tests that pass; test your pure functions</a:t>
+            </a:r>
+          </a:p>
+          <a:p>
+            <a:pPr marL="530352" lvl="1" indent="0">
+              <a:buNone/>
+            </a:pPr>
+            <a:endParaRPr lang="en-US" dirty="0"/>
+          </a:p>
+        </p:txBody>
+      </p:sp>
+    </p:spTree>
+    <p:extLst>
+      <p:ext uri="{BB962C8B-B14F-4D97-AF65-F5344CB8AC3E}">
+        <p14:creationId xmlns:p14="http://schemas.microsoft.com/office/powerpoint/2010/main" val="4145992708"/>
+      </p:ext>
+    </p:extLst>
+  </p:cSld>
+  <p:clrMapOvr>
+    <a:masterClrMapping/>
+  </p:clrMapOvr>
+</p:sld>
+</file>
+
+<file path=ppt/slides/slide19.xml><?xml version="1.0" encoding="utf-8"?>
+<p:sld xmlns:a="http://schemas.openxmlformats.org/drawingml/2006/main" xmlns:r="http://schemas.openxmlformats.org/officeDocument/2006/relationships" xmlns:p="http://schemas.openxmlformats.org/presentationml/2006/main">
+  <p:cSld>
+    <p:spTree>
+      <p:nvGrpSpPr>
+        <p:cNvPr id="1" name=""/>
+        <p:cNvGrpSpPr/>
+        <p:nvPr/>
+      </p:nvGrpSpPr>
+      <p:grpSpPr>
+        <a:xfrm>
+          <a:off x="0" y="0"/>
+          <a:ext cx="0" cy="0"/>
+          <a:chOff x="0" y="0"/>
+          <a:chExt cx="0" cy="0"/>
+        </a:xfrm>
+      </p:grpSpPr>
+      <p:sp>
+        <p:nvSpPr>
+          <p:cNvPr id="2" name="Title 1">
+            <a:extLst>
+              <a:ext uri="{FF2B5EF4-FFF2-40B4-BE49-F238E27FC236}">
+                <a16:creationId xmlns:a16="http://schemas.microsoft.com/office/drawing/2014/main" id="{BEB4B0DC-B162-937C-482D-B11A394C81B2}"/>
+              </a:ext>
+            </a:extLst>
+          </p:cNvPr>
+          <p:cNvSpPr>
+            <a:spLocks noGrp="1"/>
+          </p:cNvSpPr>
+          <p:nvPr>
+            <p:ph type="title"/>
+          </p:nvPr>
+        </p:nvSpPr>
+        <p:spPr/>
+        <p:txBody>
+          <a:bodyPr/>
+          <a:lstStyle/>
+          <a:p>
+            <a:r>
+              <a:rPr lang="en-US" dirty="0"/>
+              <a:t>Connect 4 Brief</a:t>
+            </a:r>
+          </a:p>
+        </p:txBody>
+      </p:sp>
+      <p:sp>
+        <p:nvSpPr>
+          <p:cNvPr id="3" name="Content Placeholder 2">
+            <a:extLst>
+              <a:ext uri="{FF2B5EF4-FFF2-40B4-BE49-F238E27FC236}">
+                <a16:creationId xmlns:a16="http://schemas.microsoft.com/office/drawing/2014/main" id="{19028B33-1464-60B2-7D88-DC7381E0607A}"/>
+              </a:ext>
+            </a:extLst>
+          </p:cNvPr>
+          <p:cNvSpPr>
+            <a:spLocks noGrp="1"/>
+          </p:cNvSpPr>
+          <p:nvPr>
+            <p:ph idx="1"/>
+          </p:nvPr>
+        </p:nvSpPr>
+        <p:spPr/>
+        <p:txBody>
+          <a:bodyPr/>
+          <a:lstStyle/>
+          <a:p>
+            <a:r>
+              <a:rPr lang="en-US" dirty="0"/>
+              <a:t>The core goals of the brief were;</a:t>
+            </a:r>
+          </a:p>
+          <a:p>
+            <a:pPr lvl="1"/>
+            <a:r>
+              <a:rPr lang="en-US" dirty="0"/>
+              <a:t>Be able to place pieces on your Connect 4 grid; it should respond to click events</a:t>
+            </a:r>
+          </a:p>
+          <a:p>
+            <a:pPr lvl="1"/>
+            <a:r>
+              <a:rPr lang="en-US" dirty="0"/>
+              <a:t>Detect victory conditions i.e. in </a:t>
+            </a:r>
+            <a:r>
+              <a:rPr lang="en-US" dirty="0" err="1"/>
+              <a:t>console.log</a:t>
+            </a:r>
+            <a:r>
+              <a:rPr lang="en-US" dirty="0"/>
+              <a:t>()</a:t>
+            </a:r>
+          </a:p>
+          <a:p>
+            <a:pPr lvl="1"/>
+            <a:r>
+              <a:rPr lang="en-US" dirty="0"/>
+              <a:t>Display the winner on screen i.e. Red or Yellow</a:t>
+            </a:r>
+          </a:p>
+          <a:p>
+            <a:pPr lvl="1"/>
+            <a:r>
+              <a:rPr lang="en-US" dirty="0"/>
+              <a:t>Have some unit tests that pass; test your pure functions</a:t>
+            </a:r>
+          </a:p>
+          <a:p>
+            <a:pPr lvl="1"/>
+            <a:r>
+              <a:rPr lang="en-US" dirty="0"/>
+              <a:t>All in your own GitHub repo in the shared cohort organisation</a:t>
+            </a:r>
+          </a:p>
+          <a:p>
+            <a:pPr marL="530352" lvl="1" indent="0">
+              <a:buNone/>
+            </a:pPr>
+            <a:endParaRPr lang="en-US" dirty="0"/>
+          </a:p>
+        </p:txBody>
+      </p:sp>
+    </p:spTree>
+    <p:extLst>
+      <p:ext uri="{BB962C8B-B14F-4D97-AF65-F5344CB8AC3E}">
+        <p14:creationId xmlns:p14="http://schemas.microsoft.com/office/powerpoint/2010/main" val="1623757083"/>
       </p:ext>
     </p:extLst>
   </p:cSld>
@@ -4590,28 +5457,7 @@
           <a:bodyPr/>
           <a:lstStyle/>
           <a:p>
-            <a:r>
-              <a:rPr lang="en-US" dirty="0"/>
-              <a:t>Get Noughts and Crosses to detect a winner</a:t>
-            </a:r>
-          </a:p>
-          <a:p>
             <a:endParaRPr lang="en-US" dirty="0"/>
-          </a:p>
-          <a:p>
-            <a:r>
-              <a:rPr lang="en-US" dirty="0"/>
-              <a:t>Create a working Connect-4 game from scratch</a:t>
-            </a:r>
-          </a:p>
-          <a:p>
-            <a:endParaRPr lang="en-US" dirty="0"/>
-          </a:p>
-          <a:p>
-            <a:r>
-              <a:rPr lang="en-US" dirty="0"/>
-              <a:t>Store it all in your own GitHub repo</a:t>
-            </a:r>
           </a:p>
         </p:txBody>
       </p:sp>
@@ -4628,7 +5474,7 @@
 </p:sld>
 </file>
 
-<file path=ppt/slides/slide3.xml><?xml version="1.0" encoding="utf-8"?>
+<file path=ppt/slides/slide20.xml><?xml version="1.0" encoding="utf-8"?>
 <p:sld xmlns:a="http://schemas.openxmlformats.org/drawingml/2006/main" xmlns:r="http://schemas.openxmlformats.org/officeDocument/2006/relationships" xmlns:p="http://schemas.openxmlformats.org/presentationml/2006/main">
   <p:cSld>
     <p:spTree>
@@ -4650,7 +5496,7 @@
           <p:cNvPr id="2" name="Title 1">
             <a:extLst>
               <a:ext uri="{FF2B5EF4-FFF2-40B4-BE49-F238E27FC236}">
-                <a16:creationId xmlns:a16="http://schemas.microsoft.com/office/drawing/2014/main" id="{A59A5EE2-62A4-5D66-82C1-66C1984A57E1}"/>
+                <a16:creationId xmlns:a16="http://schemas.microsoft.com/office/drawing/2014/main" id="{8BF645B0-9D4B-37AC-2930-806B9BEFC149}"/>
               </a:ext>
             </a:extLst>
           </p:cNvPr>
@@ -4668,7 +5514,7 @@
           <a:p>
             <a:r>
               <a:rPr lang="en-US" dirty="0"/>
-              <a:t>Noughts and Crosses</a:t>
+              <a:t>Stretch Goals</a:t>
             </a:r>
           </a:p>
         </p:txBody>
@@ -4678,7 +5524,7 @@
           <p:cNvPr id="3" name="Content Placeholder 2">
             <a:extLst>
               <a:ext uri="{FF2B5EF4-FFF2-40B4-BE49-F238E27FC236}">
-                <a16:creationId xmlns:a16="http://schemas.microsoft.com/office/drawing/2014/main" id="{0D2C8ED8-035D-75C6-015D-212F989886B9}"/>
+                <a16:creationId xmlns:a16="http://schemas.microsoft.com/office/drawing/2014/main" id="{5014BB18-403C-712B-A6F7-068774FD50D6}"/>
               </a:ext>
             </a:extLst>
           </p:cNvPr>
@@ -4694,29 +5540,14 @@
           <a:bodyPr/>
           <a:lstStyle/>
           <a:p>
-            <a:r>
-              <a:rPr lang="en-US" dirty="0"/>
-              <a:t>Used as an experience to implement and develop logic learnt in sessions</a:t>
-            </a:r>
-          </a:p>
-          <a:p>
-            <a:r>
-              <a:rPr lang="en-US" dirty="0"/>
-              <a:t>Found some valuable logic that I could transfer to building Connect-4</a:t>
-            </a:r>
-          </a:p>
-          <a:p>
-            <a:r>
-              <a:rPr lang="en-US" dirty="0"/>
-              <a:t>Didn’t spend any time playing with the visuals of this as I was confident with that aspect early on.</a:t>
-            </a:r>
+            <a:endParaRPr lang="en-US" dirty="0"/>
           </a:p>
         </p:txBody>
       </p:sp>
     </p:spTree>
     <p:extLst>
       <p:ext uri="{BB962C8B-B14F-4D97-AF65-F5344CB8AC3E}">
-        <p14:creationId xmlns:p14="http://schemas.microsoft.com/office/powerpoint/2010/main" val="1891014733"/>
+        <p14:creationId xmlns:p14="http://schemas.microsoft.com/office/powerpoint/2010/main" val="326974159"/>
       </p:ext>
     </p:extLst>
   </p:cSld>
@@ -4726,7 +5557,7 @@
 </p:sld>
 </file>
 
-<file path=ppt/slides/slide4.xml><?xml version="1.0" encoding="utf-8"?>
+<file path=ppt/slides/slide21.xml><?xml version="1.0" encoding="utf-8"?>
 <p:sld xmlns:a="http://schemas.openxmlformats.org/drawingml/2006/main" xmlns:r="http://schemas.openxmlformats.org/officeDocument/2006/relationships" xmlns:p="http://schemas.openxmlformats.org/presentationml/2006/main">
   <p:cSld>
     <p:spTree>
@@ -4748,7 +5579,7 @@
           <p:cNvPr id="2" name="Title 1">
             <a:extLst>
               <a:ext uri="{FF2B5EF4-FFF2-40B4-BE49-F238E27FC236}">
-                <a16:creationId xmlns:a16="http://schemas.microsoft.com/office/drawing/2014/main" id="{BEB4B0DC-B162-937C-482D-B11A394C81B2}"/>
+                <a16:creationId xmlns:a16="http://schemas.microsoft.com/office/drawing/2014/main" id="{8BF645B0-9D4B-37AC-2930-806B9BEFC149}"/>
               </a:ext>
             </a:extLst>
           </p:cNvPr>
@@ -4766,7 +5597,7 @@
           <a:p>
             <a:r>
               <a:rPr lang="en-US" dirty="0"/>
-              <a:t>Connect 4 Brief</a:t>
+              <a:t>Stretch Goals</a:t>
             </a:r>
           </a:p>
         </p:txBody>
@@ -4776,7 +5607,7 @@
           <p:cNvPr id="3" name="Content Placeholder 2">
             <a:extLst>
               <a:ext uri="{FF2B5EF4-FFF2-40B4-BE49-F238E27FC236}">
-                <a16:creationId xmlns:a16="http://schemas.microsoft.com/office/drawing/2014/main" id="{19028B33-1464-60B2-7D88-DC7381E0607A}"/>
+                <a16:creationId xmlns:a16="http://schemas.microsoft.com/office/drawing/2014/main" id="{5014BB18-403C-712B-A6F7-068774FD50D6}"/>
               </a:ext>
             </a:extLst>
           </p:cNvPr>
@@ -4794,64 +5625,15 @@
           <a:p>
             <a:r>
               <a:rPr lang="en-US" dirty="0"/>
-              <a:t>The core goals of the brief were;</a:t>
-            </a:r>
-          </a:p>
-          <a:p>
-            <a:pPr lvl="1"/>
-            <a:r>
-              <a:rPr lang="en-US" dirty="0"/>
-              <a:t>Be able to place pieces on your Connect 4 grid; it should respond to click events</a:t>
-            </a:r>
-          </a:p>
-          <a:p>
-            <a:pPr lvl="1"/>
-            <a:r>
-              <a:rPr lang="en-US" dirty="0"/>
-              <a:t>Detect victory conditions i.e. in </a:t>
-            </a:r>
-            <a:r>
-              <a:rPr lang="en-US" dirty="0" err="1"/>
-              <a:t>console.log</a:t>
-            </a:r>
-            <a:r>
-              <a:rPr lang="en-US" dirty="0"/>
-              <a:t>()</a:t>
-            </a:r>
-          </a:p>
-          <a:p>
-            <a:pPr lvl="1"/>
-            <a:r>
-              <a:rPr lang="en-US" dirty="0"/>
-              <a:t>Display the winner on screen i.e. Red or Yellow</a:t>
-            </a:r>
-          </a:p>
-          <a:p>
-            <a:pPr lvl="1"/>
-            <a:r>
-              <a:rPr lang="en-US" dirty="0"/>
-              <a:t>Have some unit tests that pass; test your pure functions</a:t>
-            </a:r>
-          </a:p>
-          <a:p>
-            <a:pPr lvl="1"/>
-            <a:r>
-              <a:rPr lang="en-US" dirty="0"/>
-              <a:t>All in your own GitHub repo in the shared cohort organisation</a:t>
-            </a:r>
-          </a:p>
-          <a:p>
-            <a:pPr marL="530352" lvl="1" indent="0">
-              <a:buNone/>
-            </a:pPr>
-            <a:endParaRPr lang="en-US" dirty="0"/>
+              <a:t>As well as the core goals on the previous slide, there were some stretch goals of differing difficulties that we could attempt. Below are the ones I achieved;</a:t>
+            </a:r>
           </a:p>
         </p:txBody>
       </p:sp>
     </p:spTree>
     <p:extLst>
       <p:ext uri="{BB962C8B-B14F-4D97-AF65-F5344CB8AC3E}">
-        <p14:creationId xmlns:p14="http://schemas.microsoft.com/office/powerpoint/2010/main" val="1186044010"/>
+        <p14:creationId xmlns:p14="http://schemas.microsoft.com/office/powerpoint/2010/main" val="3389206293"/>
       </p:ext>
     </p:extLst>
   </p:cSld>
@@ -4861,7 +5643,7 @@
 </p:sld>
 </file>
 
-<file path=ppt/slides/slide5.xml><?xml version="1.0" encoding="utf-8"?>
+<file path=ppt/slides/slide22.xml><?xml version="1.0" encoding="utf-8"?>
 <p:sld xmlns:a="http://schemas.openxmlformats.org/drawingml/2006/main" xmlns:r="http://schemas.openxmlformats.org/officeDocument/2006/relationships" xmlns:p="http://schemas.openxmlformats.org/presentationml/2006/main">
   <p:cSld>
     <p:spTree>
@@ -4939,26 +5721,12 @@
               <a:t>Add player names and declare the winner by name</a:t>
             </a:r>
           </a:p>
-          <a:p>
-            <a:pPr lvl="1"/>
-            <a:r>
-              <a:rPr lang="en-US" dirty="0"/>
-              <a:t>Run a linter over your mini-project and correct issues</a:t>
-            </a:r>
-          </a:p>
-          <a:p>
-            <a:pPr lvl="1"/>
-            <a:r>
-              <a:rPr lang="en-US" dirty="0"/>
-              <a:t>Scoreboard tracking player victories</a:t>
-            </a:r>
-          </a:p>
         </p:txBody>
       </p:sp>
     </p:spTree>
     <p:extLst>
       <p:ext uri="{BB962C8B-B14F-4D97-AF65-F5344CB8AC3E}">
-        <p14:creationId xmlns:p14="http://schemas.microsoft.com/office/powerpoint/2010/main" val="326974159"/>
+        <p14:creationId xmlns:p14="http://schemas.microsoft.com/office/powerpoint/2010/main" val="1338067727"/>
       </p:ext>
     </p:extLst>
   </p:cSld>
@@ -4968,7 +5736,107 @@
 </p:sld>
 </file>
 
-<file path=ppt/slides/slide6.xml><?xml version="1.0" encoding="utf-8"?>
+<file path=ppt/slides/slide23.xml><?xml version="1.0" encoding="utf-8"?>
+<p:sld xmlns:a="http://schemas.openxmlformats.org/drawingml/2006/main" xmlns:r="http://schemas.openxmlformats.org/officeDocument/2006/relationships" xmlns:p="http://schemas.openxmlformats.org/presentationml/2006/main">
+  <p:cSld>
+    <p:spTree>
+      <p:nvGrpSpPr>
+        <p:cNvPr id="1" name=""/>
+        <p:cNvGrpSpPr/>
+        <p:nvPr/>
+      </p:nvGrpSpPr>
+      <p:grpSpPr>
+        <a:xfrm>
+          <a:off x="0" y="0"/>
+          <a:ext cx="0" cy="0"/>
+          <a:chOff x="0" y="0"/>
+          <a:chExt cx="0" cy="0"/>
+        </a:xfrm>
+      </p:grpSpPr>
+      <p:sp>
+        <p:nvSpPr>
+          <p:cNvPr id="2" name="Title 1">
+            <a:extLst>
+              <a:ext uri="{FF2B5EF4-FFF2-40B4-BE49-F238E27FC236}">
+                <a16:creationId xmlns:a16="http://schemas.microsoft.com/office/drawing/2014/main" id="{8BF645B0-9D4B-37AC-2930-806B9BEFC149}"/>
+              </a:ext>
+            </a:extLst>
+          </p:cNvPr>
+          <p:cNvSpPr>
+            <a:spLocks noGrp="1"/>
+          </p:cNvSpPr>
+          <p:nvPr>
+            <p:ph type="title"/>
+          </p:nvPr>
+        </p:nvSpPr>
+        <p:spPr/>
+        <p:txBody>
+          <a:bodyPr/>
+          <a:lstStyle/>
+          <a:p>
+            <a:r>
+              <a:rPr lang="en-US" dirty="0"/>
+              <a:t>Stretch Goals</a:t>
+            </a:r>
+          </a:p>
+        </p:txBody>
+      </p:sp>
+      <p:sp>
+        <p:nvSpPr>
+          <p:cNvPr id="3" name="Content Placeholder 2">
+            <a:extLst>
+              <a:ext uri="{FF2B5EF4-FFF2-40B4-BE49-F238E27FC236}">
+                <a16:creationId xmlns:a16="http://schemas.microsoft.com/office/drawing/2014/main" id="{5014BB18-403C-712B-A6F7-068774FD50D6}"/>
+              </a:ext>
+            </a:extLst>
+          </p:cNvPr>
+          <p:cNvSpPr>
+            <a:spLocks noGrp="1"/>
+          </p:cNvSpPr>
+          <p:nvPr>
+            <p:ph idx="1"/>
+          </p:nvPr>
+        </p:nvSpPr>
+        <p:spPr/>
+        <p:txBody>
+          <a:bodyPr/>
+          <a:lstStyle/>
+          <a:p>
+            <a:r>
+              <a:rPr lang="en-US" dirty="0"/>
+              <a:t>As well as the core goals on the previous slide, there were some stretch goals of differing difficulties that we could attempt. Below are the ones I achieved;</a:t>
+            </a:r>
+          </a:p>
+          <a:p>
+            <a:pPr lvl="1"/>
+            <a:r>
+              <a:rPr lang="en-US" dirty="0"/>
+              <a:t>Add player names and declare the winner by name</a:t>
+            </a:r>
+          </a:p>
+          <a:p>
+            <a:pPr lvl="1"/>
+            <a:r>
+              <a:rPr lang="en-US" dirty="0"/>
+              <a:t>Scoreboard tracking player victories</a:t>
+            </a:r>
+          </a:p>
+        </p:txBody>
+      </p:sp>
+    </p:spTree>
+    <p:extLst>
+      <p:ext uri="{BB962C8B-B14F-4D97-AF65-F5344CB8AC3E}">
+        <p14:creationId xmlns:p14="http://schemas.microsoft.com/office/powerpoint/2010/main" val="964955244"/>
+      </p:ext>
+    </p:extLst>
+  </p:cSld>
+  <p:clrMapOvr>
+    <a:masterClrMapping/>
+  </p:clrMapOvr>
+</p:sld>
+</file>
+
+<file path=ppt/slides/slide24.xml><?xml version="1.0" encoding="utf-8"?>
 <p:sld xmlns:a="http://schemas.openxmlformats.org/drawingml/2006/main" xmlns:r="http://schemas.openxmlformats.org/officeDocument/2006/relationships" xmlns:p="http://schemas.openxmlformats.org/presentationml/2006/main">
   <p:cSld>
     <p:bg>
@@ -5508,6 +6376,2451 @@
 </p:sld>
 </file>
 
+<file path=ppt/slides/slide25.xml><?xml version="1.0" encoding="utf-8"?>
+<p:sld xmlns:a="http://schemas.openxmlformats.org/drawingml/2006/main" xmlns:r="http://schemas.openxmlformats.org/officeDocument/2006/relationships" xmlns:p="http://schemas.openxmlformats.org/presentationml/2006/main">
+  <p:cSld>
+    <p:spTree>
+      <p:nvGrpSpPr>
+        <p:cNvPr id="1" name=""/>
+        <p:cNvGrpSpPr/>
+        <p:nvPr/>
+      </p:nvGrpSpPr>
+      <p:grpSpPr>
+        <a:xfrm>
+          <a:off x="0" y="0"/>
+          <a:ext cx="0" cy="0"/>
+          <a:chOff x="0" y="0"/>
+          <a:chExt cx="0" cy="0"/>
+        </a:xfrm>
+      </p:grpSpPr>
+      <p:sp>
+        <p:nvSpPr>
+          <p:cNvPr id="2" name="Title 1">
+            <a:extLst>
+              <a:ext uri="{FF2B5EF4-FFF2-40B4-BE49-F238E27FC236}">
+                <a16:creationId xmlns:a16="http://schemas.microsoft.com/office/drawing/2014/main" id="{1D95EA0D-5339-09F2-B158-BC7E42DA188F}"/>
+              </a:ext>
+            </a:extLst>
+          </p:cNvPr>
+          <p:cNvSpPr>
+            <a:spLocks noGrp="1"/>
+          </p:cNvSpPr>
+          <p:nvPr>
+            <p:ph type="title"/>
+          </p:nvPr>
+        </p:nvSpPr>
+        <p:spPr/>
+        <p:txBody>
+          <a:bodyPr/>
+          <a:lstStyle/>
+          <a:p>
+            <a:r>
+              <a:rPr lang="en-US" dirty="0"/>
+              <a:t>What I found difficult</a:t>
+            </a:r>
+          </a:p>
+        </p:txBody>
+      </p:sp>
+      <p:sp>
+        <p:nvSpPr>
+          <p:cNvPr id="3" name="Content Placeholder 2">
+            <a:extLst>
+              <a:ext uri="{FF2B5EF4-FFF2-40B4-BE49-F238E27FC236}">
+                <a16:creationId xmlns:a16="http://schemas.microsoft.com/office/drawing/2014/main" id="{435F4106-954C-3DB3-53A4-9E7D15F6C582}"/>
+              </a:ext>
+            </a:extLst>
+          </p:cNvPr>
+          <p:cNvSpPr>
+            <a:spLocks noGrp="1"/>
+          </p:cNvSpPr>
+          <p:nvPr>
+            <p:ph idx="1"/>
+          </p:nvPr>
+        </p:nvSpPr>
+        <p:spPr/>
+        <p:txBody>
+          <a:bodyPr/>
+          <a:lstStyle/>
+          <a:p>
+            <a:endParaRPr lang="en-US" dirty="0"/>
+          </a:p>
+        </p:txBody>
+      </p:sp>
+    </p:spTree>
+    <p:extLst>
+      <p:ext uri="{BB962C8B-B14F-4D97-AF65-F5344CB8AC3E}">
+        <p14:creationId xmlns:p14="http://schemas.microsoft.com/office/powerpoint/2010/main" val="1707593627"/>
+      </p:ext>
+    </p:extLst>
+  </p:cSld>
+  <p:clrMapOvr>
+    <a:masterClrMapping/>
+  </p:clrMapOvr>
+</p:sld>
+</file>
+
+<file path=ppt/slides/slide26.xml><?xml version="1.0" encoding="utf-8"?>
+<p:sld xmlns:a="http://schemas.openxmlformats.org/drawingml/2006/main" xmlns:r="http://schemas.openxmlformats.org/officeDocument/2006/relationships" xmlns:p="http://schemas.openxmlformats.org/presentationml/2006/main">
+  <p:cSld>
+    <p:spTree>
+      <p:nvGrpSpPr>
+        <p:cNvPr id="1" name=""/>
+        <p:cNvGrpSpPr/>
+        <p:nvPr/>
+      </p:nvGrpSpPr>
+      <p:grpSpPr>
+        <a:xfrm>
+          <a:off x="0" y="0"/>
+          <a:ext cx="0" cy="0"/>
+          <a:chOff x="0" y="0"/>
+          <a:chExt cx="0" cy="0"/>
+        </a:xfrm>
+      </p:grpSpPr>
+      <p:sp>
+        <p:nvSpPr>
+          <p:cNvPr id="2" name="Title 1">
+            <a:extLst>
+              <a:ext uri="{FF2B5EF4-FFF2-40B4-BE49-F238E27FC236}">
+                <a16:creationId xmlns:a16="http://schemas.microsoft.com/office/drawing/2014/main" id="{1D95EA0D-5339-09F2-B158-BC7E42DA188F}"/>
+              </a:ext>
+            </a:extLst>
+          </p:cNvPr>
+          <p:cNvSpPr>
+            <a:spLocks noGrp="1"/>
+          </p:cNvSpPr>
+          <p:nvPr>
+            <p:ph type="title"/>
+          </p:nvPr>
+        </p:nvSpPr>
+        <p:spPr/>
+        <p:txBody>
+          <a:bodyPr/>
+          <a:lstStyle/>
+          <a:p>
+            <a:r>
+              <a:rPr lang="en-US" dirty="0"/>
+              <a:t>What I found difficult</a:t>
+            </a:r>
+          </a:p>
+        </p:txBody>
+      </p:sp>
+      <p:sp>
+        <p:nvSpPr>
+          <p:cNvPr id="3" name="Content Placeholder 2">
+            <a:extLst>
+              <a:ext uri="{FF2B5EF4-FFF2-40B4-BE49-F238E27FC236}">
+                <a16:creationId xmlns:a16="http://schemas.microsoft.com/office/drawing/2014/main" id="{435F4106-954C-3DB3-53A4-9E7D15F6C582}"/>
+              </a:ext>
+            </a:extLst>
+          </p:cNvPr>
+          <p:cNvSpPr>
+            <a:spLocks noGrp="1"/>
+          </p:cNvSpPr>
+          <p:nvPr>
+            <p:ph idx="1"/>
+          </p:nvPr>
+        </p:nvSpPr>
+        <p:spPr/>
+        <p:txBody>
+          <a:bodyPr/>
+          <a:lstStyle/>
+          <a:p>
+            <a:r>
+              <a:rPr lang="en-US" dirty="0"/>
+              <a:t>General difficulties I found initially were knowing the code/logic I wanted to include, but not having the confidence or knowledge to implement it.</a:t>
+            </a:r>
+          </a:p>
+        </p:txBody>
+      </p:sp>
+    </p:spTree>
+    <p:extLst>
+      <p:ext uri="{BB962C8B-B14F-4D97-AF65-F5344CB8AC3E}">
+        <p14:creationId xmlns:p14="http://schemas.microsoft.com/office/powerpoint/2010/main" val="1413627506"/>
+      </p:ext>
+    </p:extLst>
+  </p:cSld>
+  <p:clrMapOvr>
+    <a:masterClrMapping/>
+  </p:clrMapOvr>
+</p:sld>
+</file>
+
+<file path=ppt/slides/slide27.xml><?xml version="1.0" encoding="utf-8"?>
+<p:sld xmlns:a="http://schemas.openxmlformats.org/drawingml/2006/main" xmlns:r="http://schemas.openxmlformats.org/officeDocument/2006/relationships" xmlns:p="http://schemas.openxmlformats.org/presentationml/2006/main">
+  <p:cSld>
+    <p:spTree>
+      <p:nvGrpSpPr>
+        <p:cNvPr id="1" name=""/>
+        <p:cNvGrpSpPr/>
+        <p:nvPr/>
+      </p:nvGrpSpPr>
+      <p:grpSpPr>
+        <a:xfrm>
+          <a:off x="0" y="0"/>
+          <a:ext cx="0" cy="0"/>
+          <a:chOff x="0" y="0"/>
+          <a:chExt cx="0" cy="0"/>
+        </a:xfrm>
+      </p:grpSpPr>
+      <p:sp>
+        <p:nvSpPr>
+          <p:cNvPr id="2" name="Title 1">
+            <a:extLst>
+              <a:ext uri="{FF2B5EF4-FFF2-40B4-BE49-F238E27FC236}">
+                <a16:creationId xmlns:a16="http://schemas.microsoft.com/office/drawing/2014/main" id="{1D95EA0D-5339-09F2-B158-BC7E42DA188F}"/>
+              </a:ext>
+            </a:extLst>
+          </p:cNvPr>
+          <p:cNvSpPr>
+            <a:spLocks noGrp="1"/>
+          </p:cNvSpPr>
+          <p:nvPr>
+            <p:ph type="title"/>
+          </p:nvPr>
+        </p:nvSpPr>
+        <p:spPr/>
+        <p:txBody>
+          <a:bodyPr/>
+          <a:lstStyle/>
+          <a:p>
+            <a:r>
+              <a:rPr lang="en-US" dirty="0"/>
+              <a:t>What I found difficult</a:t>
+            </a:r>
+          </a:p>
+        </p:txBody>
+      </p:sp>
+      <p:sp>
+        <p:nvSpPr>
+          <p:cNvPr id="3" name="Content Placeholder 2">
+            <a:extLst>
+              <a:ext uri="{FF2B5EF4-FFF2-40B4-BE49-F238E27FC236}">
+                <a16:creationId xmlns:a16="http://schemas.microsoft.com/office/drawing/2014/main" id="{435F4106-954C-3DB3-53A4-9E7D15F6C582}"/>
+              </a:ext>
+            </a:extLst>
+          </p:cNvPr>
+          <p:cNvSpPr>
+            <a:spLocks noGrp="1"/>
+          </p:cNvSpPr>
+          <p:nvPr>
+            <p:ph idx="1"/>
+          </p:nvPr>
+        </p:nvSpPr>
+        <p:spPr/>
+        <p:txBody>
+          <a:bodyPr/>
+          <a:lstStyle/>
+          <a:p>
+            <a:r>
+              <a:rPr lang="en-US" dirty="0"/>
+              <a:t>General difficulties I found initially were knowing the code/logic I wanted to include, but not having the confidence or knowledge to implement it.</a:t>
+            </a:r>
+          </a:p>
+          <a:p>
+            <a:r>
+              <a:rPr lang="en-US" dirty="0"/>
+              <a:t>One of the main things that tripped me up throughout were small syntax errors, however even towards the end of the project I found myself picking up on these errors much quicker than at the start.</a:t>
+            </a:r>
+          </a:p>
+        </p:txBody>
+      </p:sp>
+    </p:spTree>
+    <p:extLst>
+      <p:ext uri="{BB962C8B-B14F-4D97-AF65-F5344CB8AC3E}">
+        <p14:creationId xmlns:p14="http://schemas.microsoft.com/office/powerpoint/2010/main" val="964456407"/>
+      </p:ext>
+    </p:extLst>
+  </p:cSld>
+  <p:clrMapOvr>
+    <a:masterClrMapping/>
+  </p:clrMapOvr>
+</p:sld>
+</file>
+
+<file path=ppt/slides/slide28.xml><?xml version="1.0" encoding="utf-8"?>
+<p:sld xmlns:a="http://schemas.openxmlformats.org/drawingml/2006/main" xmlns:r="http://schemas.openxmlformats.org/officeDocument/2006/relationships" xmlns:p="http://schemas.openxmlformats.org/presentationml/2006/main">
+  <p:cSld>
+    <p:spTree>
+      <p:nvGrpSpPr>
+        <p:cNvPr id="1" name=""/>
+        <p:cNvGrpSpPr/>
+        <p:nvPr/>
+      </p:nvGrpSpPr>
+      <p:grpSpPr>
+        <a:xfrm>
+          <a:off x="0" y="0"/>
+          <a:ext cx="0" cy="0"/>
+          <a:chOff x="0" y="0"/>
+          <a:chExt cx="0" cy="0"/>
+        </a:xfrm>
+      </p:grpSpPr>
+      <p:sp>
+        <p:nvSpPr>
+          <p:cNvPr id="2" name="Title 1">
+            <a:extLst>
+              <a:ext uri="{FF2B5EF4-FFF2-40B4-BE49-F238E27FC236}">
+                <a16:creationId xmlns:a16="http://schemas.microsoft.com/office/drawing/2014/main" id="{1D95EA0D-5339-09F2-B158-BC7E42DA188F}"/>
+              </a:ext>
+            </a:extLst>
+          </p:cNvPr>
+          <p:cNvSpPr>
+            <a:spLocks noGrp="1"/>
+          </p:cNvSpPr>
+          <p:nvPr>
+            <p:ph type="title"/>
+          </p:nvPr>
+        </p:nvSpPr>
+        <p:spPr/>
+        <p:txBody>
+          <a:bodyPr/>
+          <a:lstStyle/>
+          <a:p>
+            <a:r>
+              <a:rPr lang="en-US" dirty="0"/>
+              <a:t>What I found difficult</a:t>
+            </a:r>
+          </a:p>
+        </p:txBody>
+      </p:sp>
+      <p:sp>
+        <p:nvSpPr>
+          <p:cNvPr id="3" name="Content Placeholder 2">
+            <a:extLst>
+              <a:ext uri="{FF2B5EF4-FFF2-40B4-BE49-F238E27FC236}">
+                <a16:creationId xmlns:a16="http://schemas.microsoft.com/office/drawing/2014/main" id="{435F4106-954C-3DB3-53A4-9E7D15F6C582}"/>
+              </a:ext>
+            </a:extLst>
+          </p:cNvPr>
+          <p:cNvSpPr>
+            <a:spLocks noGrp="1"/>
+          </p:cNvSpPr>
+          <p:nvPr>
+            <p:ph idx="1"/>
+          </p:nvPr>
+        </p:nvSpPr>
+        <p:spPr/>
+        <p:txBody>
+          <a:bodyPr/>
+          <a:lstStyle/>
+          <a:p>
+            <a:r>
+              <a:rPr lang="en-US" dirty="0"/>
+              <a:t>General difficulties I found initially were knowing the code/logic I wanted to include, but not having the confidence or knowledge to implement it.</a:t>
+            </a:r>
+          </a:p>
+          <a:p>
+            <a:r>
+              <a:rPr lang="en-US" dirty="0"/>
+              <a:t>One of the main things that tripped me up throughout were small syntax errors, however even towards the end of the project I found myself picking up on these errors much quicker than at the start.</a:t>
+            </a:r>
+          </a:p>
+          <a:p>
+            <a:r>
+              <a:rPr lang="en-US" dirty="0"/>
+              <a:t>Manipulating HTML content was the hardest thing for me to get my head around.</a:t>
+            </a:r>
+          </a:p>
+        </p:txBody>
+      </p:sp>
+    </p:spTree>
+    <p:extLst>
+      <p:ext uri="{BB962C8B-B14F-4D97-AF65-F5344CB8AC3E}">
+        <p14:creationId xmlns:p14="http://schemas.microsoft.com/office/powerpoint/2010/main" val="2842634838"/>
+      </p:ext>
+    </p:extLst>
+  </p:cSld>
+  <p:clrMapOvr>
+    <a:masterClrMapping/>
+  </p:clrMapOvr>
+</p:sld>
+</file>
+
+<file path=ppt/slides/slide29.xml><?xml version="1.0" encoding="utf-8"?>
+<p:sld xmlns:a="http://schemas.openxmlformats.org/drawingml/2006/main" xmlns:r="http://schemas.openxmlformats.org/officeDocument/2006/relationships" xmlns:p="http://schemas.openxmlformats.org/presentationml/2006/main">
+  <p:cSld>
+    <p:spTree>
+      <p:nvGrpSpPr>
+        <p:cNvPr id="1" name=""/>
+        <p:cNvGrpSpPr/>
+        <p:nvPr/>
+      </p:nvGrpSpPr>
+      <p:grpSpPr>
+        <a:xfrm>
+          <a:off x="0" y="0"/>
+          <a:ext cx="0" cy="0"/>
+          <a:chOff x="0" y="0"/>
+          <a:chExt cx="0" cy="0"/>
+        </a:xfrm>
+      </p:grpSpPr>
+      <p:sp>
+        <p:nvSpPr>
+          <p:cNvPr id="2" name="Title 1">
+            <a:extLst>
+              <a:ext uri="{FF2B5EF4-FFF2-40B4-BE49-F238E27FC236}">
+                <a16:creationId xmlns:a16="http://schemas.microsoft.com/office/drawing/2014/main" id="{2223863E-06CF-11C7-95A3-8783E2908987}"/>
+              </a:ext>
+            </a:extLst>
+          </p:cNvPr>
+          <p:cNvSpPr>
+            <a:spLocks noGrp="1"/>
+          </p:cNvSpPr>
+          <p:nvPr>
+            <p:ph type="title"/>
+          </p:nvPr>
+        </p:nvSpPr>
+        <p:spPr/>
+        <p:txBody>
+          <a:bodyPr/>
+          <a:lstStyle/>
+          <a:p>
+            <a:r>
+              <a:rPr lang="en-US" dirty="0"/>
+              <a:t>Areas I’m proud of</a:t>
+            </a:r>
+          </a:p>
+        </p:txBody>
+      </p:sp>
+      <p:sp>
+        <p:nvSpPr>
+          <p:cNvPr id="3" name="Content Placeholder 2">
+            <a:extLst>
+              <a:ext uri="{FF2B5EF4-FFF2-40B4-BE49-F238E27FC236}">
+                <a16:creationId xmlns:a16="http://schemas.microsoft.com/office/drawing/2014/main" id="{9DD554DF-26EB-CF4C-B3D1-3815120C1752}"/>
+              </a:ext>
+            </a:extLst>
+          </p:cNvPr>
+          <p:cNvSpPr>
+            <a:spLocks noGrp="1"/>
+          </p:cNvSpPr>
+          <p:nvPr>
+            <p:ph idx="1"/>
+          </p:nvPr>
+        </p:nvSpPr>
+        <p:spPr/>
+        <p:txBody>
+          <a:bodyPr/>
+          <a:lstStyle/>
+          <a:p>
+            <a:endParaRPr lang="en-US" dirty="0"/>
+          </a:p>
+        </p:txBody>
+      </p:sp>
+    </p:spTree>
+    <p:extLst>
+      <p:ext uri="{BB962C8B-B14F-4D97-AF65-F5344CB8AC3E}">
+        <p14:creationId xmlns:p14="http://schemas.microsoft.com/office/powerpoint/2010/main" val="1523350401"/>
+      </p:ext>
+    </p:extLst>
+  </p:cSld>
+  <p:clrMapOvr>
+    <a:masterClrMapping/>
+  </p:clrMapOvr>
+</p:sld>
+</file>
+
+<file path=ppt/slides/slide3.xml><?xml version="1.0" encoding="utf-8"?>
+<p:sld xmlns:a="http://schemas.openxmlformats.org/drawingml/2006/main" xmlns:r="http://schemas.openxmlformats.org/officeDocument/2006/relationships" xmlns:p="http://schemas.openxmlformats.org/presentationml/2006/main">
+  <p:cSld>
+    <p:spTree>
+      <p:nvGrpSpPr>
+        <p:cNvPr id="1" name=""/>
+        <p:cNvGrpSpPr/>
+        <p:nvPr/>
+      </p:nvGrpSpPr>
+      <p:grpSpPr>
+        <a:xfrm>
+          <a:off x="0" y="0"/>
+          <a:ext cx="0" cy="0"/>
+          <a:chOff x="0" y="0"/>
+          <a:chExt cx="0" cy="0"/>
+        </a:xfrm>
+      </p:grpSpPr>
+      <p:sp>
+        <p:nvSpPr>
+          <p:cNvPr id="2" name="Title 1">
+            <a:extLst>
+              <a:ext uri="{FF2B5EF4-FFF2-40B4-BE49-F238E27FC236}">
+                <a16:creationId xmlns:a16="http://schemas.microsoft.com/office/drawing/2014/main" id="{F2D17988-3D4F-5214-CE76-9E1050D3EEBB}"/>
+              </a:ext>
+            </a:extLst>
+          </p:cNvPr>
+          <p:cNvSpPr>
+            <a:spLocks noGrp="1"/>
+          </p:cNvSpPr>
+          <p:nvPr>
+            <p:ph type="title"/>
+          </p:nvPr>
+        </p:nvSpPr>
+        <p:spPr/>
+        <p:txBody>
+          <a:bodyPr/>
+          <a:lstStyle/>
+          <a:p>
+            <a:r>
+              <a:rPr lang="en-US" dirty="0"/>
+              <a:t>Intro</a:t>
+            </a:r>
+          </a:p>
+        </p:txBody>
+      </p:sp>
+      <p:sp>
+        <p:nvSpPr>
+          <p:cNvPr id="3" name="Content Placeholder 2">
+            <a:extLst>
+              <a:ext uri="{FF2B5EF4-FFF2-40B4-BE49-F238E27FC236}">
+                <a16:creationId xmlns:a16="http://schemas.microsoft.com/office/drawing/2014/main" id="{AF1BBA6A-1913-874A-6C64-06D771D8DCF7}"/>
+              </a:ext>
+            </a:extLst>
+          </p:cNvPr>
+          <p:cNvSpPr>
+            <a:spLocks noGrp="1"/>
+          </p:cNvSpPr>
+          <p:nvPr>
+            <p:ph idx="1"/>
+          </p:nvPr>
+        </p:nvSpPr>
+        <p:spPr/>
+        <p:txBody>
+          <a:bodyPr/>
+          <a:lstStyle/>
+          <a:p>
+            <a:r>
+              <a:rPr lang="en-US" dirty="0"/>
+              <a:t>Overall goals of the mini-project</a:t>
+            </a:r>
+          </a:p>
+        </p:txBody>
+      </p:sp>
+    </p:spTree>
+    <p:extLst>
+      <p:ext uri="{BB962C8B-B14F-4D97-AF65-F5344CB8AC3E}">
+        <p14:creationId xmlns:p14="http://schemas.microsoft.com/office/powerpoint/2010/main" val="1706143442"/>
+      </p:ext>
+    </p:extLst>
+  </p:cSld>
+  <p:clrMapOvr>
+    <a:masterClrMapping/>
+  </p:clrMapOvr>
+</p:sld>
+</file>
+
+<file path=ppt/slides/slide30.xml><?xml version="1.0" encoding="utf-8"?>
+<p:sld xmlns:a="http://schemas.openxmlformats.org/drawingml/2006/main" xmlns:r="http://schemas.openxmlformats.org/officeDocument/2006/relationships" xmlns:p="http://schemas.openxmlformats.org/presentationml/2006/main">
+  <p:cSld>
+    <p:spTree>
+      <p:nvGrpSpPr>
+        <p:cNvPr id="1" name=""/>
+        <p:cNvGrpSpPr/>
+        <p:nvPr/>
+      </p:nvGrpSpPr>
+      <p:grpSpPr>
+        <a:xfrm>
+          <a:off x="0" y="0"/>
+          <a:ext cx="0" cy="0"/>
+          <a:chOff x="0" y="0"/>
+          <a:chExt cx="0" cy="0"/>
+        </a:xfrm>
+      </p:grpSpPr>
+      <p:sp>
+        <p:nvSpPr>
+          <p:cNvPr id="2" name="Title 1">
+            <a:extLst>
+              <a:ext uri="{FF2B5EF4-FFF2-40B4-BE49-F238E27FC236}">
+                <a16:creationId xmlns:a16="http://schemas.microsoft.com/office/drawing/2014/main" id="{2223863E-06CF-11C7-95A3-8783E2908987}"/>
+              </a:ext>
+            </a:extLst>
+          </p:cNvPr>
+          <p:cNvSpPr>
+            <a:spLocks noGrp="1"/>
+          </p:cNvSpPr>
+          <p:nvPr>
+            <p:ph type="title"/>
+          </p:nvPr>
+        </p:nvSpPr>
+        <p:spPr/>
+        <p:txBody>
+          <a:bodyPr/>
+          <a:lstStyle/>
+          <a:p>
+            <a:r>
+              <a:rPr lang="en-US" dirty="0"/>
+              <a:t>Areas I’m proud of</a:t>
+            </a:r>
+          </a:p>
+        </p:txBody>
+      </p:sp>
+      <p:sp>
+        <p:nvSpPr>
+          <p:cNvPr id="3" name="Content Placeholder 2">
+            <a:extLst>
+              <a:ext uri="{FF2B5EF4-FFF2-40B4-BE49-F238E27FC236}">
+                <a16:creationId xmlns:a16="http://schemas.microsoft.com/office/drawing/2014/main" id="{9DD554DF-26EB-CF4C-B3D1-3815120C1752}"/>
+              </a:ext>
+            </a:extLst>
+          </p:cNvPr>
+          <p:cNvSpPr>
+            <a:spLocks noGrp="1"/>
+          </p:cNvSpPr>
+          <p:nvPr>
+            <p:ph idx="1"/>
+          </p:nvPr>
+        </p:nvSpPr>
+        <p:spPr/>
+        <p:txBody>
+          <a:bodyPr/>
+          <a:lstStyle/>
+          <a:p>
+            <a:r>
+              <a:rPr lang="en-US" dirty="0"/>
+              <a:t>Check Winner function</a:t>
+            </a:r>
+          </a:p>
+        </p:txBody>
+      </p:sp>
+    </p:spTree>
+    <p:extLst>
+      <p:ext uri="{BB962C8B-B14F-4D97-AF65-F5344CB8AC3E}">
+        <p14:creationId xmlns:p14="http://schemas.microsoft.com/office/powerpoint/2010/main" val="3483992951"/>
+      </p:ext>
+    </p:extLst>
+  </p:cSld>
+  <p:clrMapOvr>
+    <a:masterClrMapping/>
+  </p:clrMapOvr>
+</p:sld>
+</file>
+
+<file path=ppt/slides/slide31.xml><?xml version="1.0" encoding="utf-8"?>
+<p:sld xmlns:a="http://schemas.openxmlformats.org/drawingml/2006/main" xmlns:r="http://schemas.openxmlformats.org/officeDocument/2006/relationships" xmlns:p="http://schemas.openxmlformats.org/presentationml/2006/main">
+  <p:cSld>
+    <p:spTree>
+      <p:nvGrpSpPr>
+        <p:cNvPr id="1" name=""/>
+        <p:cNvGrpSpPr/>
+        <p:nvPr/>
+      </p:nvGrpSpPr>
+      <p:grpSpPr>
+        <a:xfrm>
+          <a:off x="0" y="0"/>
+          <a:ext cx="0" cy="0"/>
+          <a:chOff x="0" y="0"/>
+          <a:chExt cx="0" cy="0"/>
+        </a:xfrm>
+      </p:grpSpPr>
+      <p:sp>
+        <p:nvSpPr>
+          <p:cNvPr id="2" name="Title 1">
+            <a:extLst>
+              <a:ext uri="{FF2B5EF4-FFF2-40B4-BE49-F238E27FC236}">
+                <a16:creationId xmlns:a16="http://schemas.microsoft.com/office/drawing/2014/main" id="{2223863E-06CF-11C7-95A3-8783E2908987}"/>
+              </a:ext>
+            </a:extLst>
+          </p:cNvPr>
+          <p:cNvSpPr>
+            <a:spLocks noGrp="1"/>
+          </p:cNvSpPr>
+          <p:nvPr>
+            <p:ph type="title"/>
+          </p:nvPr>
+        </p:nvSpPr>
+        <p:spPr/>
+        <p:txBody>
+          <a:bodyPr/>
+          <a:lstStyle/>
+          <a:p>
+            <a:r>
+              <a:rPr lang="en-US" dirty="0"/>
+              <a:t>Areas I’m proud of</a:t>
+            </a:r>
+          </a:p>
+        </p:txBody>
+      </p:sp>
+      <p:sp>
+        <p:nvSpPr>
+          <p:cNvPr id="3" name="Content Placeholder 2">
+            <a:extLst>
+              <a:ext uri="{FF2B5EF4-FFF2-40B4-BE49-F238E27FC236}">
+                <a16:creationId xmlns:a16="http://schemas.microsoft.com/office/drawing/2014/main" id="{9DD554DF-26EB-CF4C-B3D1-3815120C1752}"/>
+              </a:ext>
+            </a:extLst>
+          </p:cNvPr>
+          <p:cNvSpPr>
+            <a:spLocks noGrp="1"/>
+          </p:cNvSpPr>
+          <p:nvPr>
+            <p:ph idx="1"/>
+          </p:nvPr>
+        </p:nvSpPr>
+        <p:spPr/>
+        <p:txBody>
+          <a:bodyPr/>
+          <a:lstStyle/>
+          <a:p>
+            <a:r>
+              <a:rPr lang="en-US" dirty="0"/>
+              <a:t>Check Winner function</a:t>
+            </a:r>
+          </a:p>
+          <a:p>
+            <a:r>
+              <a:rPr lang="en-US" dirty="0"/>
+              <a:t>Spent a lot of time going through different forms of logic and kept finding places they would fail/ not working as intended.</a:t>
+            </a:r>
+          </a:p>
+        </p:txBody>
+      </p:sp>
+    </p:spTree>
+    <p:extLst>
+      <p:ext uri="{BB962C8B-B14F-4D97-AF65-F5344CB8AC3E}">
+        <p14:creationId xmlns:p14="http://schemas.microsoft.com/office/powerpoint/2010/main" val="222117801"/>
+      </p:ext>
+    </p:extLst>
+  </p:cSld>
+  <p:clrMapOvr>
+    <a:masterClrMapping/>
+  </p:clrMapOvr>
+</p:sld>
+</file>
+
+<file path=ppt/slides/slide32.xml><?xml version="1.0" encoding="utf-8"?>
+<p:sld xmlns:a="http://schemas.openxmlformats.org/drawingml/2006/main" xmlns:r="http://schemas.openxmlformats.org/officeDocument/2006/relationships" xmlns:p="http://schemas.openxmlformats.org/presentationml/2006/main">
+  <p:cSld>
+    <p:spTree>
+      <p:nvGrpSpPr>
+        <p:cNvPr id="1" name=""/>
+        <p:cNvGrpSpPr/>
+        <p:nvPr/>
+      </p:nvGrpSpPr>
+      <p:grpSpPr>
+        <a:xfrm>
+          <a:off x="0" y="0"/>
+          <a:ext cx="0" cy="0"/>
+          <a:chOff x="0" y="0"/>
+          <a:chExt cx="0" cy="0"/>
+        </a:xfrm>
+      </p:grpSpPr>
+      <p:sp>
+        <p:nvSpPr>
+          <p:cNvPr id="2" name="Title 1">
+            <a:extLst>
+              <a:ext uri="{FF2B5EF4-FFF2-40B4-BE49-F238E27FC236}">
+                <a16:creationId xmlns:a16="http://schemas.microsoft.com/office/drawing/2014/main" id="{2223863E-06CF-11C7-95A3-8783E2908987}"/>
+              </a:ext>
+            </a:extLst>
+          </p:cNvPr>
+          <p:cNvSpPr>
+            <a:spLocks noGrp="1"/>
+          </p:cNvSpPr>
+          <p:nvPr>
+            <p:ph type="title"/>
+          </p:nvPr>
+        </p:nvSpPr>
+        <p:spPr/>
+        <p:txBody>
+          <a:bodyPr/>
+          <a:lstStyle/>
+          <a:p>
+            <a:r>
+              <a:rPr lang="en-US" dirty="0"/>
+              <a:t>Areas I’m proud of</a:t>
+            </a:r>
+          </a:p>
+        </p:txBody>
+      </p:sp>
+      <p:sp>
+        <p:nvSpPr>
+          <p:cNvPr id="3" name="Content Placeholder 2">
+            <a:extLst>
+              <a:ext uri="{FF2B5EF4-FFF2-40B4-BE49-F238E27FC236}">
+                <a16:creationId xmlns:a16="http://schemas.microsoft.com/office/drawing/2014/main" id="{9DD554DF-26EB-CF4C-B3D1-3815120C1752}"/>
+              </a:ext>
+            </a:extLst>
+          </p:cNvPr>
+          <p:cNvSpPr>
+            <a:spLocks noGrp="1"/>
+          </p:cNvSpPr>
+          <p:nvPr>
+            <p:ph idx="1"/>
+          </p:nvPr>
+        </p:nvSpPr>
+        <p:spPr/>
+        <p:txBody>
+          <a:bodyPr/>
+          <a:lstStyle/>
+          <a:p>
+            <a:r>
+              <a:rPr lang="en-US" dirty="0"/>
+              <a:t>Check Winner function</a:t>
+            </a:r>
+          </a:p>
+          <a:p>
+            <a:r>
+              <a:rPr lang="en-US" dirty="0"/>
+              <a:t>Spent a lot of time going through different forms of logic and kept finding places they would fail/ not working as intended.</a:t>
+            </a:r>
+          </a:p>
+          <a:p>
+            <a:r>
+              <a:rPr lang="en-US" dirty="0"/>
+              <a:t>Developed a relatively simple, yet comprehensive function that will never fail.</a:t>
+            </a:r>
+          </a:p>
+        </p:txBody>
+      </p:sp>
+    </p:spTree>
+    <p:extLst>
+      <p:ext uri="{BB962C8B-B14F-4D97-AF65-F5344CB8AC3E}">
+        <p14:creationId xmlns:p14="http://schemas.microsoft.com/office/powerpoint/2010/main" val="774758008"/>
+      </p:ext>
+    </p:extLst>
+  </p:cSld>
+  <p:clrMapOvr>
+    <a:masterClrMapping/>
+  </p:clrMapOvr>
+</p:sld>
+</file>
+
+<file path=ppt/slides/slide33.xml><?xml version="1.0" encoding="utf-8"?>
+<p:sld xmlns:a="http://schemas.openxmlformats.org/drawingml/2006/main" xmlns:r="http://schemas.openxmlformats.org/officeDocument/2006/relationships" xmlns:p="http://schemas.openxmlformats.org/presentationml/2006/main">
+  <p:cSld>
+    <p:spTree>
+      <p:nvGrpSpPr>
+        <p:cNvPr id="1" name=""/>
+        <p:cNvGrpSpPr/>
+        <p:nvPr/>
+      </p:nvGrpSpPr>
+      <p:grpSpPr>
+        <a:xfrm>
+          <a:off x="0" y="0"/>
+          <a:ext cx="0" cy="0"/>
+          <a:chOff x="0" y="0"/>
+          <a:chExt cx="0" cy="0"/>
+        </a:xfrm>
+      </p:grpSpPr>
+      <p:sp>
+        <p:nvSpPr>
+          <p:cNvPr id="2" name="Title 1">
+            <a:extLst>
+              <a:ext uri="{FF2B5EF4-FFF2-40B4-BE49-F238E27FC236}">
+                <a16:creationId xmlns:a16="http://schemas.microsoft.com/office/drawing/2014/main" id="{5A79C5DB-264A-84DB-0E7F-45DFADA0A554}"/>
+              </a:ext>
+            </a:extLst>
+          </p:cNvPr>
+          <p:cNvSpPr>
+            <a:spLocks noGrp="1"/>
+          </p:cNvSpPr>
+          <p:nvPr>
+            <p:ph type="title"/>
+          </p:nvPr>
+        </p:nvSpPr>
+        <p:spPr/>
+        <p:txBody>
+          <a:bodyPr/>
+          <a:lstStyle/>
+          <a:p>
+            <a:r>
+              <a:rPr lang="en-US" dirty="0"/>
+              <a:t>Unit Tests</a:t>
+            </a:r>
+          </a:p>
+        </p:txBody>
+      </p:sp>
+      <p:sp>
+        <p:nvSpPr>
+          <p:cNvPr id="3" name="Content Placeholder 2">
+            <a:extLst>
+              <a:ext uri="{FF2B5EF4-FFF2-40B4-BE49-F238E27FC236}">
+                <a16:creationId xmlns:a16="http://schemas.microsoft.com/office/drawing/2014/main" id="{1AED80C1-E835-915B-3C11-055F91D46093}"/>
+              </a:ext>
+            </a:extLst>
+          </p:cNvPr>
+          <p:cNvSpPr>
+            <a:spLocks noGrp="1"/>
+          </p:cNvSpPr>
+          <p:nvPr>
+            <p:ph idx="1"/>
+          </p:nvPr>
+        </p:nvSpPr>
+        <p:spPr/>
+        <p:txBody>
+          <a:bodyPr/>
+          <a:lstStyle/>
+          <a:p>
+            <a:endParaRPr lang="en-US" dirty="0"/>
+          </a:p>
+        </p:txBody>
+      </p:sp>
+    </p:spTree>
+    <p:extLst>
+      <p:ext uri="{BB962C8B-B14F-4D97-AF65-F5344CB8AC3E}">
+        <p14:creationId xmlns:p14="http://schemas.microsoft.com/office/powerpoint/2010/main" val="4248353737"/>
+      </p:ext>
+    </p:extLst>
+  </p:cSld>
+  <p:clrMapOvr>
+    <a:masterClrMapping/>
+  </p:clrMapOvr>
+</p:sld>
+</file>
+
+<file path=ppt/slides/slide34.xml><?xml version="1.0" encoding="utf-8"?>
+<p:sld xmlns:a="http://schemas.openxmlformats.org/drawingml/2006/main" xmlns:r="http://schemas.openxmlformats.org/officeDocument/2006/relationships" xmlns:p="http://schemas.openxmlformats.org/presentationml/2006/main">
+  <p:cSld>
+    <p:spTree>
+      <p:nvGrpSpPr>
+        <p:cNvPr id="1" name=""/>
+        <p:cNvGrpSpPr/>
+        <p:nvPr/>
+      </p:nvGrpSpPr>
+      <p:grpSpPr>
+        <a:xfrm>
+          <a:off x="0" y="0"/>
+          <a:ext cx="0" cy="0"/>
+          <a:chOff x="0" y="0"/>
+          <a:chExt cx="0" cy="0"/>
+        </a:xfrm>
+      </p:grpSpPr>
+      <p:sp>
+        <p:nvSpPr>
+          <p:cNvPr id="2" name="Title 1">
+            <a:extLst>
+              <a:ext uri="{FF2B5EF4-FFF2-40B4-BE49-F238E27FC236}">
+                <a16:creationId xmlns:a16="http://schemas.microsoft.com/office/drawing/2014/main" id="{5A79C5DB-264A-84DB-0E7F-45DFADA0A554}"/>
+              </a:ext>
+            </a:extLst>
+          </p:cNvPr>
+          <p:cNvSpPr>
+            <a:spLocks noGrp="1"/>
+          </p:cNvSpPr>
+          <p:nvPr>
+            <p:ph type="title"/>
+          </p:nvPr>
+        </p:nvSpPr>
+        <p:spPr/>
+        <p:txBody>
+          <a:bodyPr/>
+          <a:lstStyle/>
+          <a:p>
+            <a:r>
+              <a:rPr lang="en-US" dirty="0"/>
+              <a:t>Unit Tests</a:t>
+            </a:r>
+          </a:p>
+        </p:txBody>
+      </p:sp>
+      <p:sp>
+        <p:nvSpPr>
+          <p:cNvPr id="3" name="Content Placeholder 2">
+            <a:extLst>
+              <a:ext uri="{FF2B5EF4-FFF2-40B4-BE49-F238E27FC236}">
+                <a16:creationId xmlns:a16="http://schemas.microsoft.com/office/drawing/2014/main" id="{1AED80C1-E835-915B-3C11-055F91D46093}"/>
+              </a:ext>
+            </a:extLst>
+          </p:cNvPr>
+          <p:cNvSpPr>
+            <a:spLocks noGrp="1"/>
+          </p:cNvSpPr>
+          <p:nvPr>
+            <p:ph idx="1"/>
+          </p:nvPr>
+        </p:nvSpPr>
+        <p:spPr/>
+        <p:txBody>
+          <a:bodyPr/>
+          <a:lstStyle/>
+          <a:p>
+            <a:r>
+              <a:rPr lang="en-US" dirty="0"/>
+              <a:t>Tested checkWinner</a:t>
+            </a:r>
+          </a:p>
+        </p:txBody>
+      </p:sp>
+    </p:spTree>
+    <p:extLst>
+      <p:ext uri="{BB962C8B-B14F-4D97-AF65-F5344CB8AC3E}">
+        <p14:creationId xmlns:p14="http://schemas.microsoft.com/office/powerpoint/2010/main" val="3041230425"/>
+      </p:ext>
+    </p:extLst>
+  </p:cSld>
+  <p:clrMapOvr>
+    <a:masterClrMapping/>
+  </p:clrMapOvr>
+</p:sld>
+</file>
+
+<file path=ppt/slides/slide35.xml><?xml version="1.0" encoding="utf-8"?>
+<p:sld xmlns:a="http://schemas.openxmlformats.org/drawingml/2006/main" xmlns:r="http://schemas.openxmlformats.org/officeDocument/2006/relationships" xmlns:p="http://schemas.openxmlformats.org/presentationml/2006/main">
+  <p:cSld>
+    <p:spTree>
+      <p:nvGrpSpPr>
+        <p:cNvPr id="1" name=""/>
+        <p:cNvGrpSpPr/>
+        <p:nvPr/>
+      </p:nvGrpSpPr>
+      <p:grpSpPr>
+        <a:xfrm>
+          <a:off x="0" y="0"/>
+          <a:ext cx="0" cy="0"/>
+          <a:chOff x="0" y="0"/>
+          <a:chExt cx="0" cy="0"/>
+        </a:xfrm>
+      </p:grpSpPr>
+      <p:sp>
+        <p:nvSpPr>
+          <p:cNvPr id="2" name="Title 1">
+            <a:extLst>
+              <a:ext uri="{FF2B5EF4-FFF2-40B4-BE49-F238E27FC236}">
+                <a16:creationId xmlns:a16="http://schemas.microsoft.com/office/drawing/2014/main" id="{5A79C5DB-264A-84DB-0E7F-45DFADA0A554}"/>
+              </a:ext>
+            </a:extLst>
+          </p:cNvPr>
+          <p:cNvSpPr>
+            <a:spLocks noGrp="1"/>
+          </p:cNvSpPr>
+          <p:nvPr>
+            <p:ph type="title"/>
+          </p:nvPr>
+        </p:nvSpPr>
+        <p:spPr/>
+        <p:txBody>
+          <a:bodyPr/>
+          <a:lstStyle/>
+          <a:p>
+            <a:r>
+              <a:rPr lang="en-US" dirty="0"/>
+              <a:t>Unit Tests</a:t>
+            </a:r>
+          </a:p>
+        </p:txBody>
+      </p:sp>
+      <p:sp>
+        <p:nvSpPr>
+          <p:cNvPr id="3" name="Content Placeholder 2">
+            <a:extLst>
+              <a:ext uri="{FF2B5EF4-FFF2-40B4-BE49-F238E27FC236}">
+                <a16:creationId xmlns:a16="http://schemas.microsoft.com/office/drawing/2014/main" id="{1AED80C1-E835-915B-3C11-055F91D46093}"/>
+              </a:ext>
+            </a:extLst>
+          </p:cNvPr>
+          <p:cNvSpPr>
+            <a:spLocks noGrp="1"/>
+          </p:cNvSpPr>
+          <p:nvPr>
+            <p:ph idx="1"/>
+          </p:nvPr>
+        </p:nvSpPr>
+        <p:spPr/>
+        <p:txBody>
+          <a:bodyPr/>
+          <a:lstStyle/>
+          <a:p>
+            <a:r>
+              <a:rPr lang="en-US" dirty="0"/>
+              <a:t>Tested checkWinner</a:t>
+            </a:r>
+          </a:p>
+          <a:p>
+            <a:r>
+              <a:rPr lang="en-US" dirty="0"/>
+              <a:t>Main determining factor in whether the core goals were met so had to be 100% confident in its success</a:t>
+            </a:r>
+          </a:p>
+        </p:txBody>
+      </p:sp>
+    </p:spTree>
+    <p:extLst>
+      <p:ext uri="{BB962C8B-B14F-4D97-AF65-F5344CB8AC3E}">
+        <p14:creationId xmlns:p14="http://schemas.microsoft.com/office/powerpoint/2010/main" val="229242795"/>
+      </p:ext>
+    </p:extLst>
+  </p:cSld>
+  <p:clrMapOvr>
+    <a:masterClrMapping/>
+  </p:clrMapOvr>
+</p:sld>
+</file>
+
+<file path=ppt/slides/slide36.xml><?xml version="1.0" encoding="utf-8"?>
+<p:sld xmlns:a="http://schemas.openxmlformats.org/drawingml/2006/main" xmlns:r="http://schemas.openxmlformats.org/officeDocument/2006/relationships" xmlns:p="http://schemas.openxmlformats.org/presentationml/2006/main">
+  <p:cSld>
+    <p:spTree>
+      <p:nvGrpSpPr>
+        <p:cNvPr id="1" name=""/>
+        <p:cNvGrpSpPr/>
+        <p:nvPr/>
+      </p:nvGrpSpPr>
+      <p:grpSpPr>
+        <a:xfrm>
+          <a:off x="0" y="0"/>
+          <a:ext cx="0" cy="0"/>
+          <a:chOff x="0" y="0"/>
+          <a:chExt cx="0" cy="0"/>
+        </a:xfrm>
+      </p:grpSpPr>
+      <p:sp>
+        <p:nvSpPr>
+          <p:cNvPr id="2" name="Title 1">
+            <a:extLst>
+              <a:ext uri="{FF2B5EF4-FFF2-40B4-BE49-F238E27FC236}">
+                <a16:creationId xmlns:a16="http://schemas.microsoft.com/office/drawing/2014/main" id="{CD879356-E18A-BE51-A888-49AC3D0541DA}"/>
+              </a:ext>
+            </a:extLst>
+          </p:cNvPr>
+          <p:cNvSpPr>
+            <a:spLocks noGrp="1"/>
+          </p:cNvSpPr>
+          <p:nvPr>
+            <p:ph type="title"/>
+          </p:nvPr>
+        </p:nvSpPr>
+        <p:spPr/>
+        <p:txBody>
+          <a:bodyPr/>
+          <a:lstStyle/>
+          <a:p>
+            <a:r>
+              <a:rPr lang="en-US" dirty="0"/>
+              <a:t>What I’ve learnt going forward</a:t>
+            </a:r>
+          </a:p>
+        </p:txBody>
+      </p:sp>
+      <p:sp>
+        <p:nvSpPr>
+          <p:cNvPr id="3" name="Content Placeholder 2">
+            <a:extLst>
+              <a:ext uri="{FF2B5EF4-FFF2-40B4-BE49-F238E27FC236}">
+                <a16:creationId xmlns:a16="http://schemas.microsoft.com/office/drawing/2014/main" id="{8F37E14A-BA4C-4A47-2DEC-27F260B0F264}"/>
+              </a:ext>
+            </a:extLst>
+          </p:cNvPr>
+          <p:cNvSpPr>
+            <a:spLocks noGrp="1"/>
+          </p:cNvSpPr>
+          <p:nvPr>
+            <p:ph idx="1"/>
+          </p:nvPr>
+        </p:nvSpPr>
+        <p:spPr/>
+        <p:txBody>
+          <a:bodyPr>
+            <a:normAutofit/>
+          </a:bodyPr>
+          <a:lstStyle/>
+          <a:p>
+            <a:endParaRPr lang="en-US" dirty="0"/>
+          </a:p>
+        </p:txBody>
+      </p:sp>
+    </p:spTree>
+    <p:extLst>
+      <p:ext uri="{BB962C8B-B14F-4D97-AF65-F5344CB8AC3E}">
+        <p14:creationId xmlns:p14="http://schemas.microsoft.com/office/powerpoint/2010/main" val="2434511769"/>
+      </p:ext>
+    </p:extLst>
+  </p:cSld>
+  <p:clrMapOvr>
+    <a:masterClrMapping/>
+  </p:clrMapOvr>
+</p:sld>
+</file>
+
+<file path=ppt/slides/slide37.xml><?xml version="1.0" encoding="utf-8"?>
+<p:sld xmlns:a="http://schemas.openxmlformats.org/drawingml/2006/main" xmlns:r="http://schemas.openxmlformats.org/officeDocument/2006/relationships" xmlns:p="http://schemas.openxmlformats.org/presentationml/2006/main">
+  <p:cSld>
+    <p:spTree>
+      <p:nvGrpSpPr>
+        <p:cNvPr id="1" name=""/>
+        <p:cNvGrpSpPr/>
+        <p:nvPr/>
+      </p:nvGrpSpPr>
+      <p:grpSpPr>
+        <a:xfrm>
+          <a:off x="0" y="0"/>
+          <a:ext cx="0" cy="0"/>
+          <a:chOff x="0" y="0"/>
+          <a:chExt cx="0" cy="0"/>
+        </a:xfrm>
+      </p:grpSpPr>
+      <p:sp>
+        <p:nvSpPr>
+          <p:cNvPr id="2" name="Title 1">
+            <a:extLst>
+              <a:ext uri="{FF2B5EF4-FFF2-40B4-BE49-F238E27FC236}">
+                <a16:creationId xmlns:a16="http://schemas.microsoft.com/office/drawing/2014/main" id="{CD879356-E18A-BE51-A888-49AC3D0541DA}"/>
+              </a:ext>
+            </a:extLst>
+          </p:cNvPr>
+          <p:cNvSpPr>
+            <a:spLocks noGrp="1"/>
+          </p:cNvSpPr>
+          <p:nvPr>
+            <p:ph type="title"/>
+          </p:nvPr>
+        </p:nvSpPr>
+        <p:spPr/>
+        <p:txBody>
+          <a:bodyPr/>
+          <a:lstStyle/>
+          <a:p>
+            <a:r>
+              <a:rPr lang="en-US" dirty="0"/>
+              <a:t>What I’ve learnt going forward</a:t>
+            </a:r>
+          </a:p>
+        </p:txBody>
+      </p:sp>
+      <p:sp>
+        <p:nvSpPr>
+          <p:cNvPr id="3" name="Content Placeholder 2">
+            <a:extLst>
+              <a:ext uri="{FF2B5EF4-FFF2-40B4-BE49-F238E27FC236}">
+                <a16:creationId xmlns:a16="http://schemas.microsoft.com/office/drawing/2014/main" id="{8F37E14A-BA4C-4A47-2DEC-27F260B0F264}"/>
+              </a:ext>
+            </a:extLst>
+          </p:cNvPr>
+          <p:cNvSpPr>
+            <a:spLocks noGrp="1"/>
+          </p:cNvSpPr>
+          <p:nvPr>
+            <p:ph idx="1"/>
+          </p:nvPr>
+        </p:nvSpPr>
+        <p:spPr/>
+        <p:txBody>
+          <a:bodyPr>
+            <a:normAutofit/>
+          </a:bodyPr>
+          <a:lstStyle/>
+          <a:p>
+            <a:r>
+              <a:rPr lang="en-US" dirty="0"/>
+              <a:t>Have a good plan, but don’t become anal about following that plan</a:t>
+            </a:r>
+          </a:p>
+        </p:txBody>
+      </p:sp>
+    </p:spTree>
+    <p:extLst>
+      <p:ext uri="{BB962C8B-B14F-4D97-AF65-F5344CB8AC3E}">
+        <p14:creationId xmlns:p14="http://schemas.microsoft.com/office/powerpoint/2010/main" val="2707526993"/>
+      </p:ext>
+    </p:extLst>
+  </p:cSld>
+  <p:clrMapOvr>
+    <a:masterClrMapping/>
+  </p:clrMapOvr>
+</p:sld>
+</file>
+
+<file path=ppt/slides/slide38.xml><?xml version="1.0" encoding="utf-8"?>
+<p:sld xmlns:a="http://schemas.openxmlformats.org/drawingml/2006/main" xmlns:r="http://schemas.openxmlformats.org/officeDocument/2006/relationships" xmlns:p="http://schemas.openxmlformats.org/presentationml/2006/main">
+  <p:cSld>
+    <p:spTree>
+      <p:nvGrpSpPr>
+        <p:cNvPr id="1" name=""/>
+        <p:cNvGrpSpPr/>
+        <p:nvPr/>
+      </p:nvGrpSpPr>
+      <p:grpSpPr>
+        <a:xfrm>
+          <a:off x="0" y="0"/>
+          <a:ext cx="0" cy="0"/>
+          <a:chOff x="0" y="0"/>
+          <a:chExt cx="0" cy="0"/>
+        </a:xfrm>
+      </p:grpSpPr>
+      <p:sp>
+        <p:nvSpPr>
+          <p:cNvPr id="2" name="Title 1">
+            <a:extLst>
+              <a:ext uri="{FF2B5EF4-FFF2-40B4-BE49-F238E27FC236}">
+                <a16:creationId xmlns:a16="http://schemas.microsoft.com/office/drawing/2014/main" id="{CD879356-E18A-BE51-A888-49AC3D0541DA}"/>
+              </a:ext>
+            </a:extLst>
+          </p:cNvPr>
+          <p:cNvSpPr>
+            <a:spLocks noGrp="1"/>
+          </p:cNvSpPr>
+          <p:nvPr>
+            <p:ph type="title"/>
+          </p:nvPr>
+        </p:nvSpPr>
+        <p:spPr/>
+        <p:txBody>
+          <a:bodyPr/>
+          <a:lstStyle/>
+          <a:p>
+            <a:r>
+              <a:rPr lang="en-US" dirty="0"/>
+              <a:t>What I’ve learnt going forward</a:t>
+            </a:r>
+          </a:p>
+        </p:txBody>
+      </p:sp>
+      <p:sp>
+        <p:nvSpPr>
+          <p:cNvPr id="3" name="Content Placeholder 2">
+            <a:extLst>
+              <a:ext uri="{FF2B5EF4-FFF2-40B4-BE49-F238E27FC236}">
+                <a16:creationId xmlns:a16="http://schemas.microsoft.com/office/drawing/2014/main" id="{8F37E14A-BA4C-4A47-2DEC-27F260B0F264}"/>
+              </a:ext>
+            </a:extLst>
+          </p:cNvPr>
+          <p:cNvSpPr>
+            <a:spLocks noGrp="1"/>
+          </p:cNvSpPr>
+          <p:nvPr>
+            <p:ph idx="1"/>
+          </p:nvPr>
+        </p:nvSpPr>
+        <p:spPr/>
+        <p:txBody>
+          <a:bodyPr>
+            <a:normAutofit/>
+          </a:bodyPr>
+          <a:lstStyle/>
+          <a:p>
+            <a:r>
+              <a:rPr lang="en-US" dirty="0"/>
+              <a:t>Have a good plan, but don’t become anal about following that plan</a:t>
+            </a:r>
+          </a:p>
+          <a:p>
+            <a:pPr lvl="1"/>
+            <a:r>
+              <a:rPr lang="en-US" dirty="0"/>
+              <a:t>As an individual I like order and linearity</a:t>
+            </a:r>
+          </a:p>
+        </p:txBody>
+      </p:sp>
+    </p:spTree>
+    <p:extLst>
+      <p:ext uri="{BB962C8B-B14F-4D97-AF65-F5344CB8AC3E}">
+        <p14:creationId xmlns:p14="http://schemas.microsoft.com/office/powerpoint/2010/main" val="922424784"/>
+      </p:ext>
+    </p:extLst>
+  </p:cSld>
+  <p:clrMapOvr>
+    <a:masterClrMapping/>
+  </p:clrMapOvr>
+</p:sld>
+</file>
+
+<file path=ppt/slides/slide39.xml><?xml version="1.0" encoding="utf-8"?>
+<p:sld xmlns:a="http://schemas.openxmlformats.org/drawingml/2006/main" xmlns:r="http://schemas.openxmlformats.org/officeDocument/2006/relationships" xmlns:p="http://schemas.openxmlformats.org/presentationml/2006/main">
+  <p:cSld>
+    <p:spTree>
+      <p:nvGrpSpPr>
+        <p:cNvPr id="1" name=""/>
+        <p:cNvGrpSpPr/>
+        <p:nvPr/>
+      </p:nvGrpSpPr>
+      <p:grpSpPr>
+        <a:xfrm>
+          <a:off x="0" y="0"/>
+          <a:ext cx="0" cy="0"/>
+          <a:chOff x="0" y="0"/>
+          <a:chExt cx="0" cy="0"/>
+        </a:xfrm>
+      </p:grpSpPr>
+      <p:sp>
+        <p:nvSpPr>
+          <p:cNvPr id="2" name="Title 1">
+            <a:extLst>
+              <a:ext uri="{FF2B5EF4-FFF2-40B4-BE49-F238E27FC236}">
+                <a16:creationId xmlns:a16="http://schemas.microsoft.com/office/drawing/2014/main" id="{CD879356-E18A-BE51-A888-49AC3D0541DA}"/>
+              </a:ext>
+            </a:extLst>
+          </p:cNvPr>
+          <p:cNvSpPr>
+            <a:spLocks noGrp="1"/>
+          </p:cNvSpPr>
+          <p:nvPr>
+            <p:ph type="title"/>
+          </p:nvPr>
+        </p:nvSpPr>
+        <p:spPr/>
+        <p:txBody>
+          <a:bodyPr/>
+          <a:lstStyle/>
+          <a:p>
+            <a:r>
+              <a:rPr lang="en-US" dirty="0"/>
+              <a:t>What I’ve learnt going forward</a:t>
+            </a:r>
+          </a:p>
+        </p:txBody>
+      </p:sp>
+      <p:sp>
+        <p:nvSpPr>
+          <p:cNvPr id="3" name="Content Placeholder 2">
+            <a:extLst>
+              <a:ext uri="{FF2B5EF4-FFF2-40B4-BE49-F238E27FC236}">
+                <a16:creationId xmlns:a16="http://schemas.microsoft.com/office/drawing/2014/main" id="{8F37E14A-BA4C-4A47-2DEC-27F260B0F264}"/>
+              </a:ext>
+            </a:extLst>
+          </p:cNvPr>
+          <p:cNvSpPr>
+            <a:spLocks noGrp="1"/>
+          </p:cNvSpPr>
+          <p:nvPr>
+            <p:ph idx="1"/>
+          </p:nvPr>
+        </p:nvSpPr>
+        <p:spPr/>
+        <p:txBody>
+          <a:bodyPr>
+            <a:normAutofit/>
+          </a:bodyPr>
+          <a:lstStyle/>
+          <a:p>
+            <a:r>
+              <a:rPr lang="en-US" dirty="0"/>
+              <a:t>Have a good plan, but don’t become anal about following that plan</a:t>
+            </a:r>
+          </a:p>
+          <a:p>
+            <a:pPr lvl="1"/>
+            <a:r>
+              <a:rPr lang="en-US" dirty="0"/>
+              <a:t>As an individual I like order and linearity</a:t>
+            </a:r>
+          </a:p>
+          <a:p>
+            <a:pPr lvl="1"/>
+            <a:r>
+              <a:rPr lang="en-US" dirty="0"/>
+              <a:t>I started out by writing down how I’d like my code to be formatted, building the complexity the further into the project I got</a:t>
+            </a:r>
+          </a:p>
+        </p:txBody>
+      </p:sp>
+    </p:spTree>
+    <p:extLst>
+      <p:ext uri="{BB962C8B-B14F-4D97-AF65-F5344CB8AC3E}">
+        <p14:creationId xmlns:p14="http://schemas.microsoft.com/office/powerpoint/2010/main" val="2775716647"/>
+      </p:ext>
+    </p:extLst>
+  </p:cSld>
+  <p:clrMapOvr>
+    <a:masterClrMapping/>
+  </p:clrMapOvr>
+</p:sld>
+</file>
+
+<file path=ppt/slides/slide4.xml><?xml version="1.0" encoding="utf-8"?>
+<p:sld xmlns:a="http://schemas.openxmlformats.org/drawingml/2006/main" xmlns:r="http://schemas.openxmlformats.org/officeDocument/2006/relationships" xmlns:p="http://schemas.openxmlformats.org/presentationml/2006/main">
+  <p:cSld>
+    <p:spTree>
+      <p:nvGrpSpPr>
+        <p:cNvPr id="1" name=""/>
+        <p:cNvGrpSpPr/>
+        <p:nvPr/>
+      </p:nvGrpSpPr>
+      <p:grpSpPr>
+        <a:xfrm>
+          <a:off x="0" y="0"/>
+          <a:ext cx="0" cy="0"/>
+          <a:chOff x="0" y="0"/>
+          <a:chExt cx="0" cy="0"/>
+        </a:xfrm>
+      </p:grpSpPr>
+      <p:sp>
+        <p:nvSpPr>
+          <p:cNvPr id="2" name="Title 1">
+            <a:extLst>
+              <a:ext uri="{FF2B5EF4-FFF2-40B4-BE49-F238E27FC236}">
+                <a16:creationId xmlns:a16="http://schemas.microsoft.com/office/drawing/2014/main" id="{F2D17988-3D4F-5214-CE76-9E1050D3EEBB}"/>
+              </a:ext>
+            </a:extLst>
+          </p:cNvPr>
+          <p:cNvSpPr>
+            <a:spLocks noGrp="1"/>
+          </p:cNvSpPr>
+          <p:nvPr>
+            <p:ph type="title"/>
+          </p:nvPr>
+        </p:nvSpPr>
+        <p:spPr/>
+        <p:txBody>
+          <a:bodyPr/>
+          <a:lstStyle/>
+          <a:p>
+            <a:r>
+              <a:rPr lang="en-US" dirty="0"/>
+              <a:t>Intro</a:t>
+            </a:r>
+          </a:p>
+        </p:txBody>
+      </p:sp>
+      <p:sp>
+        <p:nvSpPr>
+          <p:cNvPr id="3" name="Content Placeholder 2">
+            <a:extLst>
+              <a:ext uri="{FF2B5EF4-FFF2-40B4-BE49-F238E27FC236}">
+                <a16:creationId xmlns:a16="http://schemas.microsoft.com/office/drawing/2014/main" id="{AF1BBA6A-1913-874A-6C64-06D771D8DCF7}"/>
+              </a:ext>
+            </a:extLst>
+          </p:cNvPr>
+          <p:cNvSpPr>
+            <a:spLocks noGrp="1"/>
+          </p:cNvSpPr>
+          <p:nvPr>
+            <p:ph idx="1"/>
+          </p:nvPr>
+        </p:nvSpPr>
+        <p:spPr/>
+        <p:txBody>
+          <a:bodyPr/>
+          <a:lstStyle/>
+          <a:p>
+            <a:r>
+              <a:rPr lang="en-US" dirty="0"/>
+              <a:t>Overall goals of the mini-project</a:t>
+            </a:r>
+          </a:p>
+          <a:p>
+            <a:pPr lvl="1"/>
+            <a:r>
+              <a:rPr lang="en-US" dirty="0"/>
+              <a:t>Get Noughts and Crosses to detect a winner</a:t>
+            </a:r>
+          </a:p>
+        </p:txBody>
+      </p:sp>
+    </p:spTree>
+    <p:extLst>
+      <p:ext uri="{BB962C8B-B14F-4D97-AF65-F5344CB8AC3E}">
+        <p14:creationId xmlns:p14="http://schemas.microsoft.com/office/powerpoint/2010/main" val="1167482917"/>
+      </p:ext>
+    </p:extLst>
+  </p:cSld>
+  <p:clrMapOvr>
+    <a:masterClrMapping/>
+  </p:clrMapOvr>
+</p:sld>
+</file>
+
+<file path=ppt/slides/slide40.xml><?xml version="1.0" encoding="utf-8"?>
+<p:sld xmlns:a="http://schemas.openxmlformats.org/drawingml/2006/main" xmlns:r="http://schemas.openxmlformats.org/officeDocument/2006/relationships" xmlns:p="http://schemas.openxmlformats.org/presentationml/2006/main">
+  <p:cSld>
+    <p:spTree>
+      <p:nvGrpSpPr>
+        <p:cNvPr id="1" name=""/>
+        <p:cNvGrpSpPr/>
+        <p:nvPr/>
+      </p:nvGrpSpPr>
+      <p:grpSpPr>
+        <a:xfrm>
+          <a:off x="0" y="0"/>
+          <a:ext cx="0" cy="0"/>
+          <a:chOff x="0" y="0"/>
+          <a:chExt cx="0" cy="0"/>
+        </a:xfrm>
+      </p:grpSpPr>
+      <p:sp>
+        <p:nvSpPr>
+          <p:cNvPr id="2" name="Title 1">
+            <a:extLst>
+              <a:ext uri="{FF2B5EF4-FFF2-40B4-BE49-F238E27FC236}">
+                <a16:creationId xmlns:a16="http://schemas.microsoft.com/office/drawing/2014/main" id="{CD879356-E18A-BE51-A888-49AC3D0541DA}"/>
+              </a:ext>
+            </a:extLst>
+          </p:cNvPr>
+          <p:cNvSpPr>
+            <a:spLocks noGrp="1"/>
+          </p:cNvSpPr>
+          <p:nvPr>
+            <p:ph type="title"/>
+          </p:nvPr>
+        </p:nvSpPr>
+        <p:spPr/>
+        <p:txBody>
+          <a:bodyPr/>
+          <a:lstStyle/>
+          <a:p>
+            <a:r>
+              <a:rPr lang="en-US" dirty="0"/>
+              <a:t>What I’ve learnt going forward</a:t>
+            </a:r>
+          </a:p>
+        </p:txBody>
+      </p:sp>
+      <p:sp>
+        <p:nvSpPr>
+          <p:cNvPr id="3" name="Content Placeholder 2">
+            <a:extLst>
+              <a:ext uri="{FF2B5EF4-FFF2-40B4-BE49-F238E27FC236}">
+                <a16:creationId xmlns:a16="http://schemas.microsoft.com/office/drawing/2014/main" id="{8F37E14A-BA4C-4A47-2DEC-27F260B0F264}"/>
+              </a:ext>
+            </a:extLst>
+          </p:cNvPr>
+          <p:cNvSpPr>
+            <a:spLocks noGrp="1"/>
+          </p:cNvSpPr>
+          <p:nvPr>
+            <p:ph idx="1"/>
+          </p:nvPr>
+        </p:nvSpPr>
+        <p:spPr/>
+        <p:txBody>
+          <a:bodyPr>
+            <a:normAutofit/>
+          </a:bodyPr>
+          <a:lstStyle/>
+          <a:p>
+            <a:r>
+              <a:rPr lang="en-US" dirty="0"/>
+              <a:t>Have a good plan, but don’t become anal about following that plan</a:t>
+            </a:r>
+          </a:p>
+          <a:p>
+            <a:pPr lvl="1"/>
+            <a:r>
+              <a:rPr lang="en-US" dirty="0"/>
+              <a:t>As an individual I like order and linearity</a:t>
+            </a:r>
+          </a:p>
+          <a:p>
+            <a:pPr lvl="1"/>
+            <a:r>
+              <a:rPr lang="en-US" dirty="0"/>
+              <a:t>I started out by writing down how I’d like my code to be formatted, building the complexity the further into the project I got</a:t>
+            </a:r>
+          </a:p>
+          <a:p>
+            <a:pPr lvl="1"/>
+            <a:r>
+              <a:rPr lang="en-US" dirty="0"/>
+              <a:t>This served me well initially as it gave a logical order to things and made it easy to troubleshoot</a:t>
+            </a:r>
+          </a:p>
+        </p:txBody>
+      </p:sp>
+    </p:spTree>
+    <p:extLst>
+      <p:ext uri="{BB962C8B-B14F-4D97-AF65-F5344CB8AC3E}">
+        <p14:creationId xmlns:p14="http://schemas.microsoft.com/office/powerpoint/2010/main" val="2241863763"/>
+      </p:ext>
+    </p:extLst>
+  </p:cSld>
+  <p:clrMapOvr>
+    <a:masterClrMapping/>
+  </p:clrMapOvr>
+</p:sld>
+</file>
+
+<file path=ppt/slides/slide41.xml><?xml version="1.0" encoding="utf-8"?>
+<p:sld xmlns:a="http://schemas.openxmlformats.org/drawingml/2006/main" xmlns:r="http://schemas.openxmlformats.org/officeDocument/2006/relationships" xmlns:p="http://schemas.openxmlformats.org/presentationml/2006/main">
+  <p:cSld>
+    <p:spTree>
+      <p:nvGrpSpPr>
+        <p:cNvPr id="1" name=""/>
+        <p:cNvGrpSpPr/>
+        <p:nvPr/>
+      </p:nvGrpSpPr>
+      <p:grpSpPr>
+        <a:xfrm>
+          <a:off x="0" y="0"/>
+          <a:ext cx="0" cy="0"/>
+          <a:chOff x="0" y="0"/>
+          <a:chExt cx="0" cy="0"/>
+        </a:xfrm>
+      </p:grpSpPr>
+      <p:sp>
+        <p:nvSpPr>
+          <p:cNvPr id="2" name="Title 1">
+            <a:extLst>
+              <a:ext uri="{FF2B5EF4-FFF2-40B4-BE49-F238E27FC236}">
+                <a16:creationId xmlns:a16="http://schemas.microsoft.com/office/drawing/2014/main" id="{CD879356-E18A-BE51-A888-49AC3D0541DA}"/>
+              </a:ext>
+            </a:extLst>
+          </p:cNvPr>
+          <p:cNvSpPr>
+            <a:spLocks noGrp="1"/>
+          </p:cNvSpPr>
+          <p:nvPr>
+            <p:ph type="title"/>
+          </p:nvPr>
+        </p:nvSpPr>
+        <p:spPr/>
+        <p:txBody>
+          <a:bodyPr/>
+          <a:lstStyle/>
+          <a:p>
+            <a:r>
+              <a:rPr lang="en-US" dirty="0"/>
+              <a:t>What I’ve learnt going forward</a:t>
+            </a:r>
+          </a:p>
+        </p:txBody>
+      </p:sp>
+      <p:sp>
+        <p:nvSpPr>
+          <p:cNvPr id="3" name="Content Placeholder 2">
+            <a:extLst>
+              <a:ext uri="{FF2B5EF4-FFF2-40B4-BE49-F238E27FC236}">
+                <a16:creationId xmlns:a16="http://schemas.microsoft.com/office/drawing/2014/main" id="{8F37E14A-BA4C-4A47-2DEC-27F260B0F264}"/>
+              </a:ext>
+            </a:extLst>
+          </p:cNvPr>
+          <p:cNvSpPr>
+            <a:spLocks noGrp="1"/>
+          </p:cNvSpPr>
+          <p:nvPr>
+            <p:ph idx="1"/>
+          </p:nvPr>
+        </p:nvSpPr>
+        <p:spPr/>
+        <p:txBody>
+          <a:bodyPr>
+            <a:normAutofit/>
+          </a:bodyPr>
+          <a:lstStyle/>
+          <a:p>
+            <a:r>
+              <a:rPr lang="en-US" dirty="0"/>
+              <a:t>Have a good plan, but don’t become anal about following that plan</a:t>
+            </a:r>
+          </a:p>
+          <a:p>
+            <a:pPr lvl="1"/>
+            <a:r>
+              <a:rPr lang="en-US" dirty="0"/>
+              <a:t>As an individual I like order and linearity</a:t>
+            </a:r>
+          </a:p>
+          <a:p>
+            <a:pPr lvl="1"/>
+            <a:r>
+              <a:rPr lang="en-US" dirty="0"/>
+              <a:t>I started out by writing down how I’d like my code to be formatted, building the complexity the further into the project I got</a:t>
+            </a:r>
+          </a:p>
+          <a:p>
+            <a:pPr lvl="1"/>
+            <a:r>
+              <a:rPr lang="en-US" dirty="0"/>
+              <a:t>This served me well initially as it gave a logical order to things and made it easy to troubleshoot</a:t>
+            </a:r>
+          </a:p>
+          <a:p>
+            <a:pPr lvl="1"/>
+            <a:r>
+              <a:rPr lang="en-US" dirty="0"/>
+              <a:t>Started to become a lot harder to maintain once I began to implement more features and I found myself spending more time than I should have trying to make the order of the code look nice</a:t>
+            </a:r>
+          </a:p>
+        </p:txBody>
+      </p:sp>
+    </p:spTree>
+    <p:extLst>
+      <p:ext uri="{BB962C8B-B14F-4D97-AF65-F5344CB8AC3E}">
+        <p14:creationId xmlns:p14="http://schemas.microsoft.com/office/powerpoint/2010/main" val="1017918990"/>
+      </p:ext>
+    </p:extLst>
+  </p:cSld>
+  <p:clrMapOvr>
+    <a:masterClrMapping/>
+  </p:clrMapOvr>
+</p:sld>
+</file>
+
+<file path=ppt/slides/slide42.xml><?xml version="1.0" encoding="utf-8"?>
+<p:sld xmlns:a="http://schemas.openxmlformats.org/drawingml/2006/main" xmlns:r="http://schemas.openxmlformats.org/officeDocument/2006/relationships" xmlns:p="http://schemas.openxmlformats.org/presentationml/2006/main">
+  <p:cSld>
+    <p:spTree>
+      <p:nvGrpSpPr>
+        <p:cNvPr id="1" name=""/>
+        <p:cNvGrpSpPr/>
+        <p:nvPr/>
+      </p:nvGrpSpPr>
+      <p:grpSpPr>
+        <a:xfrm>
+          <a:off x="0" y="0"/>
+          <a:ext cx="0" cy="0"/>
+          <a:chOff x="0" y="0"/>
+          <a:chExt cx="0" cy="0"/>
+        </a:xfrm>
+      </p:grpSpPr>
+      <p:sp>
+        <p:nvSpPr>
+          <p:cNvPr id="2" name="Title 1">
+            <a:extLst>
+              <a:ext uri="{FF2B5EF4-FFF2-40B4-BE49-F238E27FC236}">
+                <a16:creationId xmlns:a16="http://schemas.microsoft.com/office/drawing/2014/main" id="{CD879356-E18A-BE51-A888-49AC3D0541DA}"/>
+              </a:ext>
+            </a:extLst>
+          </p:cNvPr>
+          <p:cNvSpPr>
+            <a:spLocks noGrp="1"/>
+          </p:cNvSpPr>
+          <p:nvPr>
+            <p:ph type="title"/>
+          </p:nvPr>
+        </p:nvSpPr>
+        <p:spPr/>
+        <p:txBody>
+          <a:bodyPr/>
+          <a:lstStyle/>
+          <a:p>
+            <a:r>
+              <a:rPr lang="en-US" dirty="0"/>
+              <a:t>What I’ve learnt going forward</a:t>
+            </a:r>
+          </a:p>
+        </p:txBody>
+      </p:sp>
+      <p:sp>
+        <p:nvSpPr>
+          <p:cNvPr id="3" name="Content Placeholder 2">
+            <a:extLst>
+              <a:ext uri="{FF2B5EF4-FFF2-40B4-BE49-F238E27FC236}">
+                <a16:creationId xmlns:a16="http://schemas.microsoft.com/office/drawing/2014/main" id="{8F37E14A-BA4C-4A47-2DEC-27F260B0F264}"/>
+              </a:ext>
+            </a:extLst>
+          </p:cNvPr>
+          <p:cNvSpPr>
+            <a:spLocks noGrp="1"/>
+          </p:cNvSpPr>
+          <p:nvPr>
+            <p:ph idx="1"/>
+          </p:nvPr>
+        </p:nvSpPr>
+        <p:spPr/>
+        <p:txBody>
+          <a:bodyPr>
+            <a:normAutofit lnSpcReduction="10000"/>
+          </a:bodyPr>
+          <a:lstStyle/>
+          <a:p>
+            <a:r>
+              <a:rPr lang="en-US" dirty="0"/>
+              <a:t>Have a good plan, but don’t become anal about following that plan</a:t>
+            </a:r>
+          </a:p>
+          <a:p>
+            <a:pPr lvl="1"/>
+            <a:r>
+              <a:rPr lang="en-US" dirty="0"/>
+              <a:t>As an individual I like order and linearity</a:t>
+            </a:r>
+          </a:p>
+          <a:p>
+            <a:pPr lvl="1"/>
+            <a:r>
+              <a:rPr lang="en-US" dirty="0"/>
+              <a:t>I started out by writing down how I’d like my code to be formatted, building the complexity the further into the project I got</a:t>
+            </a:r>
+          </a:p>
+          <a:p>
+            <a:pPr lvl="1"/>
+            <a:r>
+              <a:rPr lang="en-US" dirty="0"/>
+              <a:t>This served me well initially as it gave a logical order to things and made it easy to troubleshoot</a:t>
+            </a:r>
+          </a:p>
+          <a:p>
+            <a:pPr lvl="1"/>
+            <a:r>
+              <a:rPr lang="en-US" dirty="0"/>
+              <a:t>Started to become a lot harder to maintain once I began to implement more features and I found myself spending more time than I should have trying to make the order of the code look nice</a:t>
+            </a:r>
+          </a:p>
+          <a:p>
+            <a:pPr lvl="1"/>
+            <a:r>
+              <a:rPr lang="en-US" dirty="0"/>
+              <a:t>Although good coding etiquette is important the balance between clean code and time is equally important</a:t>
+            </a:r>
+          </a:p>
+        </p:txBody>
+      </p:sp>
+    </p:spTree>
+    <p:extLst>
+      <p:ext uri="{BB962C8B-B14F-4D97-AF65-F5344CB8AC3E}">
+        <p14:creationId xmlns:p14="http://schemas.microsoft.com/office/powerpoint/2010/main" val="4095674362"/>
+      </p:ext>
+    </p:extLst>
+  </p:cSld>
+  <p:clrMapOvr>
+    <a:masterClrMapping/>
+  </p:clrMapOvr>
+</p:sld>
+</file>
+
+<file path=ppt/slides/slide43.xml><?xml version="1.0" encoding="utf-8"?>
+<p:sld xmlns:a="http://schemas.openxmlformats.org/drawingml/2006/main" xmlns:r="http://schemas.openxmlformats.org/officeDocument/2006/relationships" xmlns:p="http://schemas.openxmlformats.org/presentationml/2006/main">
+  <p:cSld>
+    <p:spTree>
+      <p:nvGrpSpPr>
+        <p:cNvPr id="1" name=""/>
+        <p:cNvGrpSpPr/>
+        <p:nvPr/>
+      </p:nvGrpSpPr>
+      <p:grpSpPr>
+        <a:xfrm>
+          <a:off x="0" y="0"/>
+          <a:ext cx="0" cy="0"/>
+          <a:chOff x="0" y="0"/>
+          <a:chExt cx="0" cy="0"/>
+        </a:xfrm>
+      </p:grpSpPr>
+      <p:sp>
+        <p:nvSpPr>
+          <p:cNvPr id="2" name="Title 1">
+            <a:extLst>
+              <a:ext uri="{FF2B5EF4-FFF2-40B4-BE49-F238E27FC236}">
+                <a16:creationId xmlns:a16="http://schemas.microsoft.com/office/drawing/2014/main" id="{40ED0AC3-F303-E3C8-8EF0-217430ACF0CB}"/>
+              </a:ext>
+            </a:extLst>
+          </p:cNvPr>
+          <p:cNvSpPr>
+            <a:spLocks noGrp="1"/>
+          </p:cNvSpPr>
+          <p:nvPr>
+            <p:ph type="title"/>
+          </p:nvPr>
+        </p:nvSpPr>
+        <p:spPr/>
+        <p:txBody>
+          <a:bodyPr/>
+          <a:lstStyle/>
+          <a:p>
+            <a:r>
+              <a:rPr lang="en-US" dirty="0"/>
+              <a:t>What I’ve learnt going forward</a:t>
+            </a:r>
+          </a:p>
+        </p:txBody>
+      </p:sp>
+      <p:sp>
+        <p:nvSpPr>
+          <p:cNvPr id="3" name="Content Placeholder 2">
+            <a:extLst>
+              <a:ext uri="{FF2B5EF4-FFF2-40B4-BE49-F238E27FC236}">
+                <a16:creationId xmlns:a16="http://schemas.microsoft.com/office/drawing/2014/main" id="{07A4933F-0107-2CF1-46E3-0E82DE2A82E6}"/>
+              </a:ext>
+            </a:extLst>
+          </p:cNvPr>
+          <p:cNvSpPr>
+            <a:spLocks noGrp="1"/>
+          </p:cNvSpPr>
+          <p:nvPr>
+            <p:ph idx="1"/>
+          </p:nvPr>
+        </p:nvSpPr>
+        <p:spPr/>
+        <p:txBody>
+          <a:bodyPr/>
+          <a:lstStyle/>
+          <a:p>
+            <a:endParaRPr lang="en-US" dirty="0"/>
+          </a:p>
+        </p:txBody>
+      </p:sp>
+    </p:spTree>
+    <p:extLst>
+      <p:ext uri="{BB962C8B-B14F-4D97-AF65-F5344CB8AC3E}">
+        <p14:creationId xmlns:p14="http://schemas.microsoft.com/office/powerpoint/2010/main" val="3784770399"/>
+      </p:ext>
+    </p:extLst>
+  </p:cSld>
+  <p:clrMapOvr>
+    <a:masterClrMapping/>
+  </p:clrMapOvr>
+</p:sld>
+</file>
+
+<file path=ppt/slides/slide44.xml><?xml version="1.0" encoding="utf-8"?>
+<p:sld xmlns:a="http://schemas.openxmlformats.org/drawingml/2006/main" xmlns:r="http://schemas.openxmlformats.org/officeDocument/2006/relationships" xmlns:p="http://schemas.openxmlformats.org/presentationml/2006/main">
+  <p:cSld>
+    <p:spTree>
+      <p:nvGrpSpPr>
+        <p:cNvPr id="1" name=""/>
+        <p:cNvGrpSpPr/>
+        <p:nvPr/>
+      </p:nvGrpSpPr>
+      <p:grpSpPr>
+        <a:xfrm>
+          <a:off x="0" y="0"/>
+          <a:ext cx="0" cy="0"/>
+          <a:chOff x="0" y="0"/>
+          <a:chExt cx="0" cy="0"/>
+        </a:xfrm>
+      </p:grpSpPr>
+      <p:sp>
+        <p:nvSpPr>
+          <p:cNvPr id="2" name="Title 1">
+            <a:extLst>
+              <a:ext uri="{FF2B5EF4-FFF2-40B4-BE49-F238E27FC236}">
+                <a16:creationId xmlns:a16="http://schemas.microsoft.com/office/drawing/2014/main" id="{40ED0AC3-F303-E3C8-8EF0-217430ACF0CB}"/>
+              </a:ext>
+            </a:extLst>
+          </p:cNvPr>
+          <p:cNvSpPr>
+            <a:spLocks noGrp="1"/>
+          </p:cNvSpPr>
+          <p:nvPr>
+            <p:ph type="title"/>
+          </p:nvPr>
+        </p:nvSpPr>
+        <p:spPr/>
+        <p:txBody>
+          <a:bodyPr/>
+          <a:lstStyle/>
+          <a:p>
+            <a:r>
+              <a:rPr lang="en-US" dirty="0"/>
+              <a:t>What I’ve learnt going forward</a:t>
+            </a:r>
+          </a:p>
+        </p:txBody>
+      </p:sp>
+      <p:sp>
+        <p:nvSpPr>
+          <p:cNvPr id="3" name="Content Placeholder 2">
+            <a:extLst>
+              <a:ext uri="{FF2B5EF4-FFF2-40B4-BE49-F238E27FC236}">
+                <a16:creationId xmlns:a16="http://schemas.microsoft.com/office/drawing/2014/main" id="{07A4933F-0107-2CF1-46E3-0E82DE2A82E6}"/>
+              </a:ext>
+            </a:extLst>
+          </p:cNvPr>
+          <p:cNvSpPr>
+            <a:spLocks noGrp="1"/>
+          </p:cNvSpPr>
+          <p:nvPr>
+            <p:ph idx="1"/>
+          </p:nvPr>
+        </p:nvSpPr>
+        <p:spPr/>
+        <p:txBody>
+          <a:bodyPr/>
+          <a:lstStyle/>
+          <a:p>
+            <a:r>
+              <a:rPr lang="en-US" dirty="0"/>
+              <a:t>Swallow my pride sooner</a:t>
+            </a:r>
+          </a:p>
+        </p:txBody>
+      </p:sp>
+    </p:spTree>
+    <p:extLst>
+      <p:ext uri="{BB962C8B-B14F-4D97-AF65-F5344CB8AC3E}">
+        <p14:creationId xmlns:p14="http://schemas.microsoft.com/office/powerpoint/2010/main" val="1311536827"/>
+      </p:ext>
+    </p:extLst>
+  </p:cSld>
+  <p:clrMapOvr>
+    <a:masterClrMapping/>
+  </p:clrMapOvr>
+</p:sld>
+</file>
+
+<file path=ppt/slides/slide45.xml><?xml version="1.0" encoding="utf-8"?>
+<p:sld xmlns:a="http://schemas.openxmlformats.org/drawingml/2006/main" xmlns:r="http://schemas.openxmlformats.org/officeDocument/2006/relationships" xmlns:p="http://schemas.openxmlformats.org/presentationml/2006/main">
+  <p:cSld>
+    <p:spTree>
+      <p:nvGrpSpPr>
+        <p:cNvPr id="1" name=""/>
+        <p:cNvGrpSpPr/>
+        <p:nvPr/>
+      </p:nvGrpSpPr>
+      <p:grpSpPr>
+        <a:xfrm>
+          <a:off x="0" y="0"/>
+          <a:ext cx="0" cy="0"/>
+          <a:chOff x="0" y="0"/>
+          <a:chExt cx="0" cy="0"/>
+        </a:xfrm>
+      </p:grpSpPr>
+      <p:sp>
+        <p:nvSpPr>
+          <p:cNvPr id="2" name="Title 1">
+            <a:extLst>
+              <a:ext uri="{FF2B5EF4-FFF2-40B4-BE49-F238E27FC236}">
+                <a16:creationId xmlns:a16="http://schemas.microsoft.com/office/drawing/2014/main" id="{40ED0AC3-F303-E3C8-8EF0-217430ACF0CB}"/>
+              </a:ext>
+            </a:extLst>
+          </p:cNvPr>
+          <p:cNvSpPr>
+            <a:spLocks noGrp="1"/>
+          </p:cNvSpPr>
+          <p:nvPr>
+            <p:ph type="title"/>
+          </p:nvPr>
+        </p:nvSpPr>
+        <p:spPr/>
+        <p:txBody>
+          <a:bodyPr/>
+          <a:lstStyle/>
+          <a:p>
+            <a:r>
+              <a:rPr lang="en-US" dirty="0"/>
+              <a:t>What I’ve learnt going forward</a:t>
+            </a:r>
+          </a:p>
+        </p:txBody>
+      </p:sp>
+      <p:sp>
+        <p:nvSpPr>
+          <p:cNvPr id="3" name="Content Placeholder 2">
+            <a:extLst>
+              <a:ext uri="{FF2B5EF4-FFF2-40B4-BE49-F238E27FC236}">
+                <a16:creationId xmlns:a16="http://schemas.microsoft.com/office/drawing/2014/main" id="{07A4933F-0107-2CF1-46E3-0E82DE2A82E6}"/>
+              </a:ext>
+            </a:extLst>
+          </p:cNvPr>
+          <p:cNvSpPr>
+            <a:spLocks noGrp="1"/>
+          </p:cNvSpPr>
+          <p:nvPr>
+            <p:ph idx="1"/>
+          </p:nvPr>
+        </p:nvSpPr>
+        <p:spPr/>
+        <p:txBody>
+          <a:bodyPr/>
+          <a:lstStyle/>
+          <a:p>
+            <a:r>
+              <a:rPr lang="en-US" dirty="0"/>
+              <a:t>Swallow my pride sooner</a:t>
+            </a:r>
+          </a:p>
+          <a:p>
+            <a:pPr lvl="1"/>
+            <a:r>
+              <a:rPr lang="en-US" dirty="0"/>
+              <a:t>Found myself staring at the same problem for way longer than I should have, purely because I wanted the satisfaction of doing it myself, when I was just making more work for myself</a:t>
+            </a:r>
+          </a:p>
+        </p:txBody>
+      </p:sp>
+    </p:spTree>
+    <p:extLst>
+      <p:ext uri="{BB962C8B-B14F-4D97-AF65-F5344CB8AC3E}">
+        <p14:creationId xmlns:p14="http://schemas.microsoft.com/office/powerpoint/2010/main" val="2513593123"/>
+      </p:ext>
+    </p:extLst>
+  </p:cSld>
+  <p:clrMapOvr>
+    <a:masterClrMapping/>
+  </p:clrMapOvr>
+</p:sld>
+</file>
+
+<file path=ppt/slides/slide46.xml><?xml version="1.0" encoding="utf-8"?>
+<p:sld xmlns:a="http://schemas.openxmlformats.org/drawingml/2006/main" xmlns:r="http://schemas.openxmlformats.org/officeDocument/2006/relationships" xmlns:p="http://schemas.openxmlformats.org/presentationml/2006/main">
+  <p:cSld>
+    <p:spTree>
+      <p:nvGrpSpPr>
+        <p:cNvPr id="1" name=""/>
+        <p:cNvGrpSpPr/>
+        <p:nvPr/>
+      </p:nvGrpSpPr>
+      <p:grpSpPr>
+        <a:xfrm>
+          <a:off x="0" y="0"/>
+          <a:ext cx="0" cy="0"/>
+          <a:chOff x="0" y="0"/>
+          <a:chExt cx="0" cy="0"/>
+        </a:xfrm>
+      </p:grpSpPr>
+      <p:sp>
+        <p:nvSpPr>
+          <p:cNvPr id="2" name="Title 1">
+            <a:extLst>
+              <a:ext uri="{FF2B5EF4-FFF2-40B4-BE49-F238E27FC236}">
+                <a16:creationId xmlns:a16="http://schemas.microsoft.com/office/drawing/2014/main" id="{40ED0AC3-F303-E3C8-8EF0-217430ACF0CB}"/>
+              </a:ext>
+            </a:extLst>
+          </p:cNvPr>
+          <p:cNvSpPr>
+            <a:spLocks noGrp="1"/>
+          </p:cNvSpPr>
+          <p:nvPr>
+            <p:ph type="title"/>
+          </p:nvPr>
+        </p:nvSpPr>
+        <p:spPr/>
+        <p:txBody>
+          <a:bodyPr/>
+          <a:lstStyle/>
+          <a:p>
+            <a:r>
+              <a:rPr lang="en-US" dirty="0"/>
+              <a:t>What I’ve learnt going forward</a:t>
+            </a:r>
+          </a:p>
+        </p:txBody>
+      </p:sp>
+      <p:sp>
+        <p:nvSpPr>
+          <p:cNvPr id="3" name="Content Placeholder 2">
+            <a:extLst>
+              <a:ext uri="{FF2B5EF4-FFF2-40B4-BE49-F238E27FC236}">
+                <a16:creationId xmlns:a16="http://schemas.microsoft.com/office/drawing/2014/main" id="{07A4933F-0107-2CF1-46E3-0E82DE2A82E6}"/>
+              </a:ext>
+            </a:extLst>
+          </p:cNvPr>
+          <p:cNvSpPr>
+            <a:spLocks noGrp="1"/>
+          </p:cNvSpPr>
+          <p:nvPr>
+            <p:ph idx="1"/>
+          </p:nvPr>
+        </p:nvSpPr>
+        <p:spPr/>
+        <p:txBody>
+          <a:bodyPr/>
+          <a:lstStyle/>
+          <a:p>
+            <a:r>
+              <a:rPr lang="en-US" dirty="0"/>
+              <a:t>Swallow my pride sooner</a:t>
+            </a:r>
+          </a:p>
+          <a:p>
+            <a:pPr lvl="1"/>
+            <a:r>
+              <a:rPr lang="en-US" dirty="0"/>
+              <a:t>Found myself staring at the same problem for way longer than I should have, purely because I wanted the satisfaction of doing it myself, when I was just making more work for myself</a:t>
+            </a:r>
+          </a:p>
+          <a:p>
+            <a:pPr lvl="1"/>
+            <a:r>
+              <a:rPr lang="en-US" dirty="0"/>
+              <a:t>Realise that ill learn more by asking someone more knowledgeable and getting them to walk me through a solution rather than jerry-rigging my own solution.</a:t>
+            </a:r>
+          </a:p>
+        </p:txBody>
+      </p:sp>
+    </p:spTree>
+    <p:extLst>
+      <p:ext uri="{BB962C8B-B14F-4D97-AF65-F5344CB8AC3E}">
+        <p14:creationId xmlns:p14="http://schemas.microsoft.com/office/powerpoint/2010/main" val="674040630"/>
+      </p:ext>
+    </p:extLst>
+  </p:cSld>
+  <p:clrMapOvr>
+    <a:masterClrMapping/>
+  </p:clrMapOvr>
+</p:sld>
+</file>
+
+<file path=ppt/slides/slide5.xml><?xml version="1.0" encoding="utf-8"?>
+<p:sld xmlns:a="http://schemas.openxmlformats.org/drawingml/2006/main" xmlns:r="http://schemas.openxmlformats.org/officeDocument/2006/relationships" xmlns:p="http://schemas.openxmlformats.org/presentationml/2006/main">
+  <p:cSld>
+    <p:spTree>
+      <p:nvGrpSpPr>
+        <p:cNvPr id="1" name=""/>
+        <p:cNvGrpSpPr/>
+        <p:nvPr/>
+      </p:nvGrpSpPr>
+      <p:grpSpPr>
+        <a:xfrm>
+          <a:off x="0" y="0"/>
+          <a:ext cx="0" cy="0"/>
+          <a:chOff x="0" y="0"/>
+          <a:chExt cx="0" cy="0"/>
+        </a:xfrm>
+      </p:grpSpPr>
+      <p:sp>
+        <p:nvSpPr>
+          <p:cNvPr id="2" name="Title 1">
+            <a:extLst>
+              <a:ext uri="{FF2B5EF4-FFF2-40B4-BE49-F238E27FC236}">
+                <a16:creationId xmlns:a16="http://schemas.microsoft.com/office/drawing/2014/main" id="{F2D17988-3D4F-5214-CE76-9E1050D3EEBB}"/>
+              </a:ext>
+            </a:extLst>
+          </p:cNvPr>
+          <p:cNvSpPr>
+            <a:spLocks noGrp="1"/>
+          </p:cNvSpPr>
+          <p:nvPr>
+            <p:ph type="title"/>
+          </p:nvPr>
+        </p:nvSpPr>
+        <p:spPr/>
+        <p:txBody>
+          <a:bodyPr/>
+          <a:lstStyle/>
+          <a:p>
+            <a:r>
+              <a:rPr lang="en-US" dirty="0"/>
+              <a:t>Intro</a:t>
+            </a:r>
+          </a:p>
+        </p:txBody>
+      </p:sp>
+      <p:sp>
+        <p:nvSpPr>
+          <p:cNvPr id="3" name="Content Placeholder 2">
+            <a:extLst>
+              <a:ext uri="{FF2B5EF4-FFF2-40B4-BE49-F238E27FC236}">
+                <a16:creationId xmlns:a16="http://schemas.microsoft.com/office/drawing/2014/main" id="{AF1BBA6A-1913-874A-6C64-06D771D8DCF7}"/>
+              </a:ext>
+            </a:extLst>
+          </p:cNvPr>
+          <p:cNvSpPr>
+            <a:spLocks noGrp="1"/>
+          </p:cNvSpPr>
+          <p:nvPr>
+            <p:ph idx="1"/>
+          </p:nvPr>
+        </p:nvSpPr>
+        <p:spPr/>
+        <p:txBody>
+          <a:bodyPr/>
+          <a:lstStyle/>
+          <a:p>
+            <a:r>
+              <a:rPr lang="en-US" dirty="0"/>
+              <a:t>Overall goals of the mini-project</a:t>
+            </a:r>
+          </a:p>
+          <a:p>
+            <a:pPr lvl="1"/>
+            <a:r>
+              <a:rPr lang="en-US" dirty="0"/>
+              <a:t>Get Noughts and Crosses to detect a winner</a:t>
+            </a:r>
+          </a:p>
+          <a:p>
+            <a:pPr lvl="1"/>
+            <a:r>
+              <a:rPr lang="en-US" dirty="0"/>
+              <a:t>Create a working Connect-4 game from scratch</a:t>
+            </a:r>
+          </a:p>
+        </p:txBody>
+      </p:sp>
+    </p:spTree>
+    <p:extLst>
+      <p:ext uri="{BB962C8B-B14F-4D97-AF65-F5344CB8AC3E}">
+        <p14:creationId xmlns:p14="http://schemas.microsoft.com/office/powerpoint/2010/main" val="2691339732"/>
+      </p:ext>
+    </p:extLst>
+  </p:cSld>
+  <p:clrMapOvr>
+    <a:masterClrMapping/>
+  </p:clrMapOvr>
+</p:sld>
+</file>
+
+<file path=ppt/slides/slide6.xml><?xml version="1.0" encoding="utf-8"?>
+<p:sld xmlns:a="http://schemas.openxmlformats.org/drawingml/2006/main" xmlns:r="http://schemas.openxmlformats.org/officeDocument/2006/relationships" xmlns:p="http://schemas.openxmlformats.org/presentationml/2006/main">
+  <p:cSld>
+    <p:spTree>
+      <p:nvGrpSpPr>
+        <p:cNvPr id="1" name=""/>
+        <p:cNvGrpSpPr/>
+        <p:nvPr/>
+      </p:nvGrpSpPr>
+      <p:grpSpPr>
+        <a:xfrm>
+          <a:off x="0" y="0"/>
+          <a:ext cx="0" cy="0"/>
+          <a:chOff x="0" y="0"/>
+          <a:chExt cx="0" cy="0"/>
+        </a:xfrm>
+      </p:grpSpPr>
+      <p:sp>
+        <p:nvSpPr>
+          <p:cNvPr id="2" name="Title 1">
+            <a:extLst>
+              <a:ext uri="{FF2B5EF4-FFF2-40B4-BE49-F238E27FC236}">
+                <a16:creationId xmlns:a16="http://schemas.microsoft.com/office/drawing/2014/main" id="{F2D17988-3D4F-5214-CE76-9E1050D3EEBB}"/>
+              </a:ext>
+            </a:extLst>
+          </p:cNvPr>
+          <p:cNvSpPr>
+            <a:spLocks noGrp="1"/>
+          </p:cNvSpPr>
+          <p:nvPr>
+            <p:ph type="title"/>
+          </p:nvPr>
+        </p:nvSpPr>
+        <p:spPr/>
+        <p:txBody>
+          <a:bodyPr/>
+          <a:lstStyle/>
+          <a:p>
+            <a:r>
+              <a:rPr lang="en-US" dirty="0"/>
+              <a:t>Intro</a:t>
+            </a:r>
+          </a:p>
+        </p:txBody>
+      </p:sp>
+      <p:sp>
+        <p:nvSpPr>
+          <p:cNvPr id="3" name="Content Placeholder 2">
+            <a:extLst>
+              <a:ext uri="{FF2B5EF4-FFF2-40B4-BE49-F238E27FC236}">
+                <a16:creationId xmlns:a16="http://schemas.microsoft.com/office/drawing/2014/main" id="{AF1BBA6A-1913-874A-6C64-06D771D8DCF7}"/>
+              </a:ext>
+            </a:extLst>
+          </p:cNvPr>
+          <p:cNvSpPr>
+            <a:spLocks noGrp="1"/>
+          </p:cNvSpPr>
+          <p:nvPr>
+            <p:ph idx="1"/>
+          </p:nvPr>
+        </p:nvSpPr>
+        <p:spPr/>
+        <p:txBody>
+          <a:bodyPr/>
+          <a:lstStyle/>
+          <a:p>
+            <a:r>
+              <a:rPr lang="en-US" dirty="0"/>
+              <a:t>Overall goals of the mini-project</a:t>
+            </a:r>
+          </a:p>
+          <a:p>
+            <a:pPr lvl="1"/>
+            <a:r>
+              <a:rPr lang="en-US" dirty="0"/>
+              <a:t>Get Noughts and Crosses to detect a winner</a:t>
+            </a:r>
+          </a:p>
+          <a:p>
+            <a:pPr lvl="1"/>
+            <a:r>
+              <a:rPr lang="en-US" dirty="0"/>
+              <a:t>Create a working Connect-4 game from scratch</a:t>
+            </a:r>
+          </a:p>
+          <a:p>
+            <a:pPr lvl="1"/>
+            <a:r>
+              <a:rPr lang="en-US" dirty="0"/>
+              <a:t>Store it all in your own GitHub repo</a:t>
+            </a:r>
+          </a:p>
+        </p:txBody>
+      </p:sp>
+    </p:spTree>
+    <p:extLst>
+      <p:ext uri="{BB962C8B-B14F-4D97-AF65-F5344CB8AC3E}">
+        <p14:creationId xmlns:p14="http://schemas.microsoft.com/office/powerpoint/2010/main" val="432621169"/>
+      </p:ext>
+    </p:extLst>
+  </p:cSld>
+  <p:clrMapOvr>
+    <a:masterClrMapping/>
+  </p:clrMapOvr>
+</p:sld>
+</file>
+
 <file path=ppt/slides/slide7.xml><?xml version="1.0" encoding="utf-8"?>
 <p:sld xmlns:a="http://schemas.openxmlformats.org/drawingml/2006/main" xmlns:r="http://schemas.openxmlformats.org/officeDocument/2006/relationships" xmlns:p="http://schemas.openxmlformats.org/presentationml/2006/main">
   <p:cSld>
@@ -5530,7 +8843,7 @@
           <p:cNvPr id="2" name="Title 1">
             <a:extLst>
               <a:ext uri="{FF2B5EF4-FFF2-40B4-BE49-F238E27FC236}">
-                <a16:creationId xmlns:a16="http://schemas.microsoft.com/office/drawing/2014/main" id="{1D95EA0D-5339-09F2-B158-BC7E42DA188F}"/>
+                <a16:creationId xmlns:a16="http://schemas.microsoft.com/office/drawing/2014/main" id="{F2D17988-3D4F-5214-CE76-9E1050D3EEBB}"/>
               </a:ext>
             </a:extLst>
           </p:cNvPr>
@@ -5548,7 +8861,7 @@
           <a:p>
             <a:r>
               <a:rPr lang="en-US" dirty="0"/>
-              <a:t>What I found difficult</a:t>
+              <a:t>Intro</a:t>
             </a:r>
           </a:p>
         </p:txBody>
@@ -5558,7 +8871,7 @@
           <p:cNvPr id="3" name="Content Placeholder 2">
             <a:extLst>
               <a:ext uri="{FF2B5EF4-FFF2-40B4-BE49-F238E27FC236}">
-                <a16:creationId xmlns:a16="http://schemas.microsoft.com/office/drawing/2014/main" id="{435F4106-954C-3DB3-53A4-9E7D15F6C582}"/>
+                <a16:creationId xmlns:a16="http://schemas.microsoft.com/office/drawing/2014/main" id="{AF1BBA6A-1913-874A-6C64-06D771D8DCF7}"/>
               </a:ext>
             </a:extLst>
           </p:cNvPr>
@@ -5576,19 +8889,34 @@
           <a:p>
             <a:r>
               <a:rPr lang="en-US" dirty="0"/>
-              <a:t>General difficulties I found initially were knowing the code/logic I wanted to include, but not having the confidence or knowledge to implement it.</a:t>
-            </a:r>
-          </a:p>
-          <a:p>
-            <a:r>
-              <a:rPr lang="en-US" dirty="0"/>
-              <a:t>One of the main things that tripped me up throughout were small syntax errors, however even towards the end of the project I found myself picking up on these errors much quicker than at the start.</a:t>
-            </a:r>
-          </a:p>
-          <a:p>
-            <a:r>
-              <a:rPr lang="en-US" dirty="0"/>
-              <a:t>Manipulating HTML content was the hardest thing for me to get my head around.</a:t>
+              <a:t>Overall goals of the mini-project</a:t>
+            </a:r>
+          </a:p>
+          <a:p>
+            <a:pPr lvl="1"/>
+            <a:r>
+              <a:rPr lang="en-US" dirty="0"/>
+              <a:t>Get Noughts and Crosses to detect a winner</a:t>
+            </a:r>
+          </a:p>
+          <a:p>
+            <a:pPr lvl="1"/>
+            <a:r>
+              <a:rPr lang="en-US" dirty="0"/>
+              <a:t>Create a working Connect-4 game from scratch</a:t>
+            </a:r>
+          </a:p>
+          <a:p>
+            <a:pPr lvl="1"/>
+            <a:r>
+              <a:rPr lang="en-US" dirty="0"/>
+              <a:t>Store it all in your own GitHub repo</a:t>
+            </a:r>
+          </a:p>
+          <a:p>
+            <a:r>
+              <a:rPr lang="en-US" dirty="0"/>
+              <a:t>Demo</a:t>
             </a:r>
           </a:p>
         </p:txBody>
@@ -5596,7 +8924,7 @@
     </p:spTree>
     <p:extLst>
       <p:ext uri="{BB962C8B-B14F-4D97-AF65-F5344CB8AC3E}">
-        <p14:creationId xmlns:p14="http://schemas.microsoft.com/office/powerpoint/2010/main" val="1707593627"/>
+        <p14:creationId xmlns:p14="http://schemas.microsoft.com/office/powerpoint/2010/main" val="2862343798"/>
       </p:ext>
     </p:extLst>
   </p:cSld>
@@ -5628,7 +8956,7 @@
           <p:cNvPr id="2" name="Title 1">
             <a:extLst>
               <a:ext uri="{FF2B5EF4-FFF2-40B4-BE49-F238E27FC236}">
-                <a16:creationId xmlns:a16="http://schemas.microsoft.com/office/drawing/2014/main" id="{2223863E-06CF-11C7-95A3-8783E2908987}"/>
+                <a16:creationId xmlns:a16="http://schemas.microsoft.com/office/drawing/2014/main" id="{F2D17988-3D4F-5214-CE76-9E1050D3EEBB}"/>
               </a:ext>
             </a:extLst>
           </p:cNvPr>
@@ -5646,7 +8974,7 @@
           <a:p>
             <a:r>
               <a:rPr lang="en-US" dirty="0"/>
-              <a:t>Areas I’m proud of</a:t>
+              <a:t>Intro</a:t>
             </a:r>
           </a:p>
         </p:txBody>
@@ -5656,7 +8984,7 @@
           <p:cNvPr id="3" name="Content Placeholder 2">
             <a:extLst>
               <a:ext uri="{FF2B5EF4-FFF2-40B4-BE49-F238E27FC236}">
-                <a16:creationId xmlns:a16="http://schemas.microsoft.com/office/drawing/2014/main" id="{9DD554DF-26EB-CF4C-B3D1-3815120C1752}"/>
+                <a16:creationId xmlns:a16="http://schemas.microsoft.com/office/drawing/2014/main" id="{AF1BBA6A-1913-874A-6C64-06D771D8DCF7}"/>
               </a:ext>
             </a:extLst>
           </p:cNvPr>
@@ -5674,19 +9002,40 @@
           <a:p>
             <a:r>
               <a:rPr lang="en-US" dirty="0"/>
-              <a:t>Check Winner function</a:t>
-            </a:r>
-          </a:p>
-          <a:p>
-            <a:r>
-              <a:rPr lang="en-US" dirty="0"/>
-              <a:t>Spent a lot of time going through different forms of logic and kept finding places they would fail/ not working as intended.</a:t>
-            </a:r>
-          </a:p>
-          <a:p>
-            <a:r>
-              <a:rPr lang="en-US" dirty="0"/>
-              <a:t>Developed a relatively simple, yet comprehensive function that will never fail.</a:t>
+              <a:t>Overall goals of the mini-project</a:t>
+            </a:r>
+          </a:p>
+          <a:p>
+            <a:pPr lvl="1"/>
+            <a:r>
+              <a:rPr lang="en-US" dirty="0"/>
+              <a:t>Get Noughts and Crosses to detect a winner</a:t>
+            </a:r>
+          </a:p>
+          <a:p>
+            <a:pPr lvl="1"/>
+            <a:r>
+              <a:rPr lang="en-US" dirty="0"/>
+              <a:t>Create a working Connect-4 game from scratch</a:t>
+            </a:r>
+          </a:p>
+          <a:p>
+            <a:pPr lvl="1"/>
+            <a:r>
+              <a:rPr lang="en-US" dirty="0"/>
+              <a:t>Store it all in your own GitHub repo</a:t>
+            </a:r>
+          </a:p>
+          <a:p>
+            <a:r>
+              <a:rPr lang="en-US" dirty="0"/>
+              <a:t>Demo</a:t>
+            </a:r>
+          </a:p>
+          <a:p>
+            <a:r>
+              <a:rPr lang="en-US" dirty="0"/>
+              <a:t>What I’m proud of and what I learned</a:t>
             </a:r>
           </a:p>
         </p:txBody>
@@ -5694,7 +9043,7 @@
     </p:spTree>
     <p:extLst>
       <p:ext uri="{BB962C8B-B14F-4D97-AF65-F5344CB8AC3E}">
-        <p14:creationId xmlns:p14="http://schemas.microsoft.com/office/powerpoint/2010/main" val="1523350401"/>
+        <p14:creationId xmlns:p14="http://schemas.microsoft.com/office/powerpoint/2010/main" val="2083731594"/>
       </p:ext>
     </p:extLst>
   </p:cSld>
@@ -5726,7 +9075,7 @@
           <p:cNvPr id="2" name="Title 1">
             <a:extLst>
               <a:ext uri="{FF2B5EF4-FFF2-40B4-BE49-F238E27FC236}">
-                <a16:creationId xmlns:a16="http://schemas.microsoft.com/office/drawing/2014/main" id="{5A79C5DB-264A-84DB-0E7F-45DFADA0A554}"/>
+                <a16:creationId xmlns:a16="http://schemas.microsoft.com/office/drawing/2014/main" id="{A59A5EE2-62A4-5D66-82C1-66C1984A57E1}"/>
               </a:ext>
             </a:extLst>
           </p:cNvPr>
@@ -5744,7 +9093,7 @@
           <a:p>
             <a:r>
               <a:rPr lang="en-US" dirty="0"/>
-              <a:t>Unit Tests</a:t>
+              <a:t>Noughts and Crosses</a:t>
             </a:r>
           </a:p>
         </p:txBody>
@@ -5754,7 +9103,7 @@
           <p:cNvPr id="3" name="Content Placeholder 2">
             <a:extLst>
               <a:ext uri="{FF2B5EF4-FFF2-40B4-BE49-F238E27FC236}">
-                <a16:creationId xmlns:a16="http://schemas.microsoft.com/office/drawing/2014/main" id="{1AED80C1-E835-915B-3C11-055F91D46093}"/>
+                <a16:creationId xmlns:a16="http://schemas.microsoft.com/office/drawing/2014/main" id="{0D2C8ED8-035D-75C6-015D-212F989886B9}"/>
               </a:ext>
             </a:extLst>
           </p:cNvPr>
@@ -5770,23 +9119,14 @@
           <a:bodyPr/>
           <a:lstStyle/>
           <a:p>
-            <a:r>
-              <a:rPr lang="en-US" dirty="0"/>
-              <a:t>Tested checkWinner</a:t>
-            </a:r>
-          </a:p>
-          <a:p>
-            <a:r>
-              <a:rPr lang="en-US" dirty="0"/>
-              <a:t>Main determining factor in whether the core goals were met so had to be 100% confident in its success</a:t>
-            </a:r>
+            <a:endParaRPr lang="en-US" dirty="0"/>
           </a:p>
         </p:txBody>
       </p:sp>
     </p:spTree>
     <p:extLst>
       <p:ext uri="{BB962C8B-B14F-4D97-AF65-F5344CB8AC3E}">
-        <p14:creationId xmlns:p14="http://schemas.microsoft.com/office/powerpoint/2010/main" val="4248353737"/>
+        <p14:creationId xmlns:p14="http://schemas.microsoft.com/office/powerpoint/2010/main" val="1891014733"/>
       </p:ext>
     </p:extLst>
   </p:cSld>
